--- a/Report/Schemas for report.pptx
+++ b/Report/Schemas for report.pptx
@@ -8,6 +8,7 @@
     <p:sldId id="256" r:id="rId2"/>
     <p:sldId id="257" r:id="rId3"/>
     <p:sldId id="258" r:id="rId4"/>
+    <p:sldId id="259" r:id="rId5"/>
   </p:sldIdLst>
   <p:sldSz cx="12192000" cy="6858000"/>
   <p:notesSz cx="6858000" cy="9144000"/>
@@ -106,6 +107,11 @@
       </a:defRPr>
     </a:lvl9pPr>
   </p:defaultTextStyle>
+  <p:extLst>
+    <p:ext uri="{EFAFB233-063F-42B5-8137-9DF3F51BA10A}">
+      <p15:sldGuideLst xmlns:p15="http://schemas.microsoft.com/office/powerpoint/2012/main"/>
+    </p:ext>
+  </p:extLst>
 </p:presentation>
 </file>
 
@@ -240,7 +246,7 @@
           <a:p>
             <a:fld id="{0E8127C1-B537-4260-B0EC-BC333404B784}" type="datetimeFigureOut">
               <a:rPr lang="en-US" smtClean="0"/>
-              <a:t>6/10/2018</a:t>
+              <a:t>6/14/2018</a:t>
             </a:fld>
             <a:endParaRPr lang="en-US"/>
           </a:p>
@@ -410,7 +416,7 @@
           <a:p>
             <a:fld id="{0E8127C1-B537-4260-B0EC-BC333404B784}" type="datetimeFigureOut">
               <a:rPr lang="en-US" smtClean="0"/>
-              <a:t>6/10/2018</a:t>
+              <a:t>6/14/2018</a:t>
             </a:fld>
             <a:endParaRPr lang="en-US"/>
           </a:p>
@@ -590,7 +596,7 @@
           <a:p>
             <a:fld id="{0E8127C1-B537-4260-B0EC-BC333404B784}" type="datetimeFigureOut">
               <a:rPr lang="en-US" smtClean="0"/>
-              <a:t>6/10/2018</a:t>
+              <a:t>6/14/2018</a:t>
             </a:fld>
             <a:endParaRPr lang="en-US"/>
           </a:p>
@@ -760,7 +766,7 @@
           <a:p>
             <a:fld id="{0E8127C1-B537-4260-B0EC-BC333404B784}" type="datetimeFigureOut">
               <a:rPr lang="en-US" smtClean="0"/>
-              <a:t>6/10/2018</a:t>
+              <a:t>6/14/2018</a:t>
             </a:fld>
             <a:endParaRPr lang="en-US"/>
           </a:p>
@@ -1006,7 +1012,7 @@
           <a:p>
             <a:fld id="{0E8127C1-B537-4260-B0EC-BC333404B784}" type="datetimeFigureOut">
               <a:rPr lang="en-US" smtClean="0"/>
-              <a:t>6/10/2018</a:t>
+              <a:t>6/14/2018</a:t>
             </a:fld>
             <a:endParaRPr lang="en-US"/>
           </a:p>
@@ -1238,7 +1244,7 @@
           <a:p>
             <a:fld id="{0E8127C1-B537-4260-B0EC-BC333404B784}" type="datetimeFigureOut">
               <a:rPr lang="en-US" smtClean="0"/>
-              <a:t>6/10/2018</a:t>
+              <a:t>6/14/2018</a:t>
             </a:fld>
             <a:endParaRPr lang="en-US"/>
           </a:p>
@@ -1605,7 +1611,7 @@
           <a:p>
             <a:fld id="{0E8127C1-B537-4260-B0EC-BC333404B784}" type="datetimeFigureOut">
               <a:rPr lang="en-US" smtClean="0"/>
-              <a:t>6/10/2018</a:t>
+              <a:t>6/14/2018</a:t>
             </a:fld>
             <a:endParaRPr lang="en-US"/>
           </a:p>
@@ -1723,7 +1729,7 @@
           <a:p>
             <a:fld id="{0E8127C1-B537-4260-B0EC-BC333404B784}" type="datetimeFigureOut">
               <a:rPr lang="en-US" smtClean="0"/>
-              <a:t>6/10/2018</a:t>
+              <a:t>6/14/2018</a:t>
             </a:fld>
             <a:endParaRPr lang="en-US"/>
           </a:p>
@@ -1818,7 +1824,7 @@
           <a:p>
             <a:fld id="{0E8127C1-B537-4260-B0EC-BC333404B784}" type="datetimeFigureOut">
               <a:rPr lang="en-US" smtClean="0"/>
-              <a:t>6/10/2018</a:t>
+              <a:t>6/14/2018</a:t>
             </a:fld>
             <a:endParaRPr lang="en-US"/>
           </a:p>
@@ -2095,7 +2101,7 @@
           <a:p>
             <a:fld id="{0E8127C1-B537-4260-B0EC-BC333404B784}" type="datetimeFigureOut">
               <a:rPr lang="en-US" smtClean="0"/>
-              <a:t>6/10/2018</a:t>
+              <a:t>6/14/2018</a:t>
             </a:fld>
             <a:endParaRPr lang="en-US"/>
           </a:p>
@@ -2348,7 +2354,7 @@
           <a:p>
             <a:fld id="{0E8127C1-B537-4260-B0EC-BC333404B784}" type="datetimeFigureOut">
               <a:rPr lang="en-US" smtClean="0"/>
-              <a:t>6/10/2018</a:t>
+              <a:t>6/14/2018</a:t>
             </a:fld>
             <a:endParaRPr lang="en-US"/>
           </a:p>
@@ -2561,7 +2567,7 @@
           <a:p>
             <a:fld id="{0E8127C1-B537-4260-B0EC-BC333404B784}" type="datetimeFigureOut">
               <a:rPr lang="en-US" smtClean="0"/>
-              <a:t>6/10/2018</a:t>
+              <a:t>6/14/2018</a:t>
             </a:fld>
             <a:endParaRPr lang="en-US"/>
           </a:p>
@@ -3043,16 +3049,16 @@
       </p:grpSpPr>
       <p:grpSp>
         <p:nvGrpSpPr>
-          <p:cNvPr id="88" name="Group 87"/>
+          <p:cNvPr id="33" name="Group 32"/>
           <p:cNvGrpSpPr/>
           <p:nvPr/>
         </p:nvGrpSpPr>
         <p:grpSpPr>
           <a:xfrm>
-            <a:off x="740495" y="127214"/>
-            <a:ext cx="11408261" cy="6376562"/>
-            <a:chOff x="740495" y="127214"/>
-            <a:chExt cx="11408261" cy="6376562"/>
+            <a:off x="2100404" y="2842788"/>
+            <a:ext cx="2644669" cy="3538401"/>
+            <a:chOff x="1958542" y="2202806"/>
+            <a:chExt cx="2790756" cy="4178383"/>
           </a:xfrm>
         </p:grpSpPr>
         <p:sp>
@@ -3063,8 +3069,8 @@
           </p:nvSpPr>
           <p:spPr>
             <a:xfrm>
-              <a:off x="1977081" y="3352803"/>
-              <a:ext cx="2965622" cy="749643"/>
+              <a:off x="2743014" y="4811271"/>
+              <a:ext cx="1227804" cy="362435"/>
             </a:xfrm>
             <a:prstGeom prst="rect">
               <a:avLst/>
@@ -3092,68 +3098,33 @@
             <a:p>
               <a:pPr algn="ctr"/>
               <a:r>
-                <a:rPr lang="de-CH" dirty="0" smtClean="0"/>
+                <a:rPr lang="de-CH" sz="900" dirty="0" smtClean="0"/>
                 <a:t>LSTM </a:t>
               </a:r>
               <a:r>
-                <a:rPr lang="de-CH" dirty="0" err="1" smtClean="0"/>
+                <a:rPr lang="de-CH" sz="900" dirty="0" err="1" smtClean="0"/>
                 <a:t>architecture</a:t>
               </a:r>
-              <a:endParaRPr lang="de-CH" dirty="0" smtClean="0"/>
+              <a:endParaRPr lang="de-CH" sz="900" dirty="0" smtClean="0"/>
             </a:p>
             <a:p>
               <a:pPr algn="ctr"/>
               <a:r>
-                <a:rPr lang="de-CH" dirty="0" smtClean="0"/>
+                <a:rPr lang="de-CH" sz="900" dirty="0" smtClean="0"/>
                 <a:t>(1024 Hidden </a:t>
               </a:r>
               <a:r>
-                <a:rPr lang="de-CH" dirty="0" err="1" smtClean="0"/>
+                <a:rPr lang="de-CH" sz="900" dirty="0" err="1" smtClean="0"/>
                 <a:t>states</a:t>
               </a:r>
               <a:r>
-                <a:rPr lang="de-CH" dirty="0" smtClean="0"/>
+                <a:rPr lang="de-CH" sz="900" dirty="0" smtClean="0"/>
                 <a:t>)</a:t>
               </a:r>
-              <a:endParaRPr lang="en-US" dirty="0"/>
+              <a:endParaRPr lang="en-US" sz="900" dirty="0"/>
             </a:p>
           </p:txBody>
         </p:sp>
-        <p:cxnSp>
-          <p:nvCxnSpPr>
-            <p:cNvPr id="6" name="Straight Arrow Connector 5"/>
-            <p:cNvCxnSpPr>
-              <a:endCxn id="4" idx="2"/>
-            </p:cNvCxnSpPr>
-            <p:nvPr/>
-          </p:nvCxnSpPr>
-          <p:spPr>
-            <a:xfrm flipH="1" flipV="1">
-              <a:off x="3459892" y="4102446"/>
-              <a:ext cx="24713" cy="1153298"/>
-            </a:xfrm>
-            <a:prstGeom prst="straightConnector1">
-              <a:avLst/>
-            </a:prstGeom>
-            <a:ln>
-              <a:tailEnd type="triangle"/>
-            </a:ln>
-          </p:spPr>
-          <p:style>
-            <a:lnRef idx="1">
-              <a:schemeClr val="accent1"/>
-            </a:lnRef>
-            <a:fillRef idx="0">
-              <a:schemeClr val="accent1"/>
-            </a:fillRef>
-            <a:effectRef idx="0">
-              <a:schemeClr val="accent1"/>
-            </a:effectRef>
-            <a:fontRef idx="minor">
-              <a:schemeClr val="tx1"/>
-            </a:fontRef>
-          </p:style>
-        </p:cxnSp>
         <p:cxnSp>
           <p:nvCxnSpPr>
             <p:cNvPr id="8" name="Straight Arrow Connector 7"/>
@@ -3162,8 +3133,8 @@
           </p:nvCxnSpPr>
           <p:spPr>
             <a:xfrm flipH="1" flipV="1">
-              <a:off x="3426936" y="2397604"/>
-              <a:ext cx="32957" cy="955199"/>
+              <a:off x="3356916" y="4575973"/>
+              <a:ext cx="10115" cy="235299"/>
             </a:xfrm>
             <a:prstGeom prst="straightConnector1">
               <a:avLst/>
@@ -3195,8 +3166,8 @@
           </p:nvSpPr>
           <p:spPr>
             <a:xfrm>
-              <a:off x="2835876" y="5255743"/>
-              <a:ext cx="1198606" cy="329513"/>
+              <a:off x="2978590" y="5413973"/>
+              <a:ext cx="802394" cy="252765"/>
             </a:xfrm>
             <a:prstGeom prst="ellipse">
               <a:avLst/>
@@ -3224,10 +3195,10 @@
             <a:p>
               <a:pPr algn="ctr"/>
               <a:r>
-                <a:rPr lang="de-CH" dirty="0" smtClean="0"/>
+                <a:rPr lang="de-CH" sz="900" dirty="0" smtClean="0"/>
                 <a:t>Input</a:t>
               </a:r>
-              <a:endParaRPr lang="en-US" dirty="0"/>
+              <a:endParaRPr lang="en-US" sz="900" dirty="0"/>
             </a:p>
           </p:txBody>
         </p:sp>
@@ -3239,8 +3210,8 @@
           </p:nvSpPr>
           <p:spPr>
             <a:xfrm>
-              <a:off x="2545493" y="1672284"/>
-              <a:ext cx="1779372" cy="642551"/>
+              <a:off x="2860845" y="4201748"/>
+              <a:ext cx="1037883" cy="386016"/>
             </a:xfrm>
             <a:prstGeom prst="ellipse">
               <a:avLst/>
@@ -3268,448 +3239,10 @@
             <a:p>
               <a:pPr algn="ctr"/>
               <a:r>
-                <a:rPr lang="de-CH" dirty="0" smtClean="0"/>
+                <a:rPr lang="de-CH" sz="900" dirty="0" smtClean="0"/>
                 <a:t>Output t-1</a:t>
               </a:r>
-              <a:endParaRPr lang="en-US" dirty="0"/>
-            </a:p>
-          </p:txBody>
-        </p:sp>
-        <p:sp>
-          <p:nvSpPr>
-            <p:cNvPr id="11" name="Rectangle 10"/>
-            <p:cNvSpPr/>
-            <p:nvPr/>
-          </p:nvSpPr>
-          <p:spPr>
-            <a:xfrm>
-              <a:off x="5605849" y="3352803"/>
-              <a:ext cx="2965622" cy="749643"/>
-            </a:xfrm>
-            <a:prstGeom prst="rect">
-              <a:avLst/>
-            </a:prstGeom>
-          </p:spPr>
-          <p:style>
-            <a:lnRef idx="2">
-              <a:schemeClr val="accent1">
-                <a:shade val="50000"/>
-              </a:schemeClr>
-            </a:lnRef>
-            <a:fillRef idx="1">
-              <a:schemeClr val="accent1"/>
-            </a:fillRef>
-            <a:effectRef idx="0">
-              <a:schemeClr val="accent1"/>
-            </a:effectRef>
-            <a:fontRef idx="minor">
-              <a:schemeClr val="lt1"/>
-            </a:fontRef>
-          </p:style>
-          <p:txBody>
-            <a:bodyPr rtlCol="0" anchor="ctr"/>
-            <a:lstStyle/>
-            <a:p>
-              <a:pPr algn="ctr"/>
-              <a:r>
-                <a:rPr lang="de-CH" dirty="0" smtClean="0"/>
-                <a:t>LSTM </a:t>
-              </a:r>
-              <a:r>
-                <a:rPr lang="de-CH" dirty="0" err="1" smtClean="0"/>
-                <a:t>architecture</a:t>
-              </a:r>
-              <a:endParaRPr lang="de-CH" dirty="0" smtClean="0"/>
-            </a:p>
-            <a:p>
-              <a:pPr algn="ctr"/>
-              <a:r>
-                <a:rPr lang="de-CH" dirty="0" smtClean="0"/>
-                <a:t>(1024 Hidden </a:t>
-              </a:r>
-              <a:r>
-                <a:rPr lang="de-CH" dirty="0" err="1" smtClean="0"/>
-                <a:t>states</a:t>
-              </a:r>
-              <a:r>
-                <a:rPr lang="de-CH" dirty="0" smtClean="0"/>
-                <a:t>)</a:t>
-              </a:r>
-              <a:endParaRPr lang="en-US" dirty="0"/>
-            </a:p>
-          </p:txBody>
-        </p:sp>
-        <p:cxnSp>
-          <p:nvCxnSpPr>
-            <p:cNvPr id="12" name="Straight Arrow Connector 11"/>
-            <p:cNvCxnSpPr>
-              <a:endCxn id="11" idx="2"/>
-            </p:cNvCxnSpPr>
-            <p:nvPr/>
-          </p:nvCxnSpPr>
-          <p:spPr>
-            <a:xfrm flipH="1" flipV="1">
-              <a:off x="7088660" y="4102446"/>
-              <a:ext cx="24713" cy="1153298"/>
-            </a:xfrm>
-            <a:prstGeom prst="straightConnector1">
-              <a:avLst/>
-            </a:prstGeom>
-            <a:ln>
-              <a:tailEnd type="triangle"/>
-            </a:ln>
-          </p:spPr>
-          <p:style>
-            <a:lnRef idx="1">
-              <a:schemeClr val="accent1"/>
-            </a:lnRef>
-            <a:fillRef idx="0">
-              <a:schemeClr val="accent1"/>
-            </a:fillRef>
-            <a:effectRef idx="0">
-              <a:schemeClr val="accent1"/>
-            </a:effectRef>
-            <a:fontRef idx="minor">
-              <a:schemeClr val="tx1"/>
-            </a:fontRef>
-          </p:style>
-        </p:cxnSp>
-        <p:cxnSp>
-          <p:nvCxnSpPr>
-            <p:cNvPr id="13" name="Straight Arrow Connector 12"/>
-            <p:cNvCxnSpPr/>
-            <p:nvPr/>
-          </p:nvCxnSpPr>
-          <p:spPr>
-            <a:xfrm flipH="1" flipV="1">
-              <a:off x="7082265" y="2380735"/>
-              <a:ext cx="6396" cy="972068"/>
-            </a:xfrm>
-            <a:prstGeom prst="straightConnector1">
-              <a:avLst/>
-            </a:prstGeom>
-            <a:ln>
-              <a:tailEnd type="triangle"/>
-            </a:ln>
-          </p:spPr>
-          <p:style>
-            <a:lnRef idx="1">
-              <a:schemeClr val="accent1"/>
-            </a:lnRef>
-            <a:fillRef idx="0">
-              <a:schemeClr val="accent1"/>
-            </a:fillRef>
-            <a:effectRef idx="0">
-              <a:schemeClr val="accent1"/>
-            </a:effectRef>
-            <a:fontRef idx="minor">
-              <a:schemeClr val="tx1"/>
-            </a:fontRef>
-          </p:style>
-        </p:cxnSp>
-        <p:sp>
-          <p:nvSpPr>
-            <p:cNvPr id="14" name="Oval 13"/>
-            <p:cNvSpPr/>
-            <p:nvPr/>
-          </p:nvSpPr>
-          <p:spPr>
-            <a:xfrm>
-              <a:off x="6464644" y="5255743"/>
-              <a:ext cx="1198606" cy="329513"/>
-            </a:xfrm>
-            <a:prstGeom prst="ellipse">
-              <a:avLst/>
-            </a:prstGeom>
-          </p:spPr>
-          <p:style>
-            <a:lnRef idx="2">
-              <a:schemeClr val="accent1">
-                <a:shade val="50000"/>
-              </a:schemeClr>
-            </a:lnRef>
-            <a:fillRef idx="1">
-              <a:schemeClr val="accent1"/>
-            </a:fillRef>
-            <a:effectRef idx="0">
-              <a:schemeClr val="accent1"/>
-            </a:effectRef>
-            <a:fontRef idx="minor">
-              <a:schemeClr val="lt1"/>
-            </a:fontRef>
-          </p:style>
-          <p:txBody>
-            <a:bodyPr rtlCol="0" anchor="ctr"/>
-            <a:lstStyle/>
-            <a:p>
-              <a:pPr algn="ctr"/>
-              <a:r>
-                <a:rPr lang="de-CH" dirty="0" smtClean="0"/>
-                <a:t>Input</a:t>
-              </a:r>
-              <a:endParaRPr lang="en-US" dirty="0"/>
-            </a:p>
-          </p:txBody>
-        </p:sp>
-        <p:sp>
-          <p:nvSpPr>
-            <p:cNvPr id="15" name="Oval 14"/>
-            <p:cNvSpPr/>
-            <p:nvPr/>
-          </p:nvSpPr>
-          <p:spPr>
-            <a:xfrm>
-              <a:off x="6174261" y="1672284"/>
-              <a:ext cx="1779372" cy="642551"/>
-            </a:xfrm>
-            <a:prstGeom prst="ellipse">
-              <a:avLst/>
-            </a:prstGeom>
-          </p:spPr>
-          <p:style>
-            <a:lnRef idx="2">
-              <a:schemeClr val="accent1">
-                <a:shade val="50000"/>
-              </a:schemeClr>
-            </a:lnRef>
-            <a:fillRef idx="1">
-              <a:schemeClr val="accent1"/>
-            </a:fillRef>
-            <a:effectRef idx="0">
-              <a:schemeClr val="accent1"/>
-            </a:effectRef>
-            <a:fontRef idx="minor">
-              <a:schemeClr val="lt1"/>
-            </a:fontRef>
-          </p:style>
-          <p:txBody>
-            <a:bodyPr rtlCol="0" anchor="ctr"/>
-            <a:lstStyle/>
-            <a:p>
-              <a:pPr algn="ctr"/>
-              <a:r>
-                <a:rPr lang="de-CH" dirty="0" smtClean="0"/>
-                <a:t>Output t</a:t>
-              </a:r>
-              <a:endParaRPr lang="en-US" dirty="0"/>
-            </a:p>
-          </p:txBody>
-        </p:sp>
-        <p:sp>
-          <p:nvSpPr>
-            <p:cNvPr id="16" name="Rectangle 15"/>
-            <p:cNvSpPr/>
-            <p:nvPr/>
-          </p:nvSpPr>
-          <p:spPr>
-            <a:xfrm>
-              <a:off x="9183134" y="3267592"/>
-              <a:ext cx="2965622" cy="749643"/>
-            </a:xfrm>
-            <a:prstGeom prst="rect">
-              <a:avLst/>
-            </a:prstGeom>
-          </p:spPr>
-          <p:style>
-            <a:lnRef idx="2">
-              <a:schemeClr val="accent1">
-                <a:shade val="50000"/>
-              </a:schemeClr>
-            </a:lnRef>
-            <a:fillRef idx="1">
-              <a:schemeClr val="accent1"/>
-            </a:fillRef>
-            <a:effectRef idx="0">
-              <a:schemeClr val="accent1"/>
-            </a:effectRef>
-            <a:fontRef idx="minor">
-              <a:schemeClr val="lt1"/>
-            </a:fontRef>
-          </p:style>
-          <p:txBody>
-            <a:bodyPr rtlCol="0" anchor="ctr"/>
-            <a:lstStyle/>
-            <a:p>
-              <a:pPr algn="ctr"/>
-              <a:r>
-                <a:rPr lang="de-CH" dirty="0" smtClean="0"/>
-                <a:t>LSTM </a:t>
-              </a:r>
-              <a:r>
-                <a:rPr lang="de-CH" dirty="0" err="1" smtClean="0"/>
-                <a:t>architecture</a:t>
-              </a:r>
-              <a:endParaRPr lang="de-CH" dirty="0" smtClean="0"/>
-            </a:p>
-            <a:p>
-              <a:pPr algn="ctr"/>
-              <a:r>
-                <a:rPr lang="de-CH" dirty="0" smtClean="0"/>
-                <a:t>(1024 Hidden </a:t>
-              </a:r>
-              <a:r>
-                <a:rPr lang="de-CH" dirty="0" err="1" smtClean="0"/>
-                <a:t>states</a:t>
-              </a:r>
-              <a:r>
-                <a:rPr lang="de-CH" dirty="0" smtClean="0"/>
-                <a:t>)</a:t>
-              </a:r>
-              <a:endParaRPr lang="en-US" dirty="0"/>
-            </a:p>
-          </p:txBody>
-        </p:sp>
-        <p:cxnSp>
-          <p:nvCxnSpPr>
-            <p:cNvPr id="17" name="Straight Arrow Connector 16"/>
-            <p:cNvCxnSpPr/>
-            <p:nvPr/>
-          </p:nvCxnSpPr>
-          <p:spPr>
-            <a:xfrm flipH="1" flipV="1">
-              <a:off x="10581506" y="4102446"/>
-              <a:ext cx="24713" cy="1153298"/>
-            </a:xfrm>
-            <a:prstGeom prst="straightConnector1">
-              <a:avLst/>
-            </a:prstGeom>
-            <a:ln>
-              <a:tailEnd type="triangle"/>
-            </a:ln>
-          </p:spPr>
-          <p:style>
-            <a:lnRef idx="1">
-              <a:schemeClr val="accent1"/>
-            </a:lnRef>
-            <a:fillRef idx="0">
-              <a:schemeClr val="accent1"/>
-            </a:fillRef>
-            <a:effectRef idx="0">
-              <a:schemeClr val="accent1"/>
-            </a:effectRef>
-            <a:fontRef idx="minor">
-              <a:schemeClr val="tx1"/>
-            </a:fontRef>
-          </p:style>
-        </p:cxnSp>
-        <p:cxnSp>
-          <p:nvCxnSpPr>
-            <p:cNvPr id="18" name="Straight Arrow Connector 17"/>
-            <p:cNvCxnSpPr/>
-            <p:nvPr/>
-          </p:nvCxnSpPr>
-          <p:spPr>
-            <a:xfrm flipV="1">
-              <a:off x="10581507" y="2380735"/>
-              <a:ext cx="24712" cy="972069"/>
-            </a:xfrm>
-            <a:prstGeom prst="straightConnector1">
-              <a:avLst/>
-            </a:prstGeom>
-            <a:ln>
-              <a:tailEnd type="triangle"/>
-            </a:ln>
-          </p:spPr>
-          <p:style>
-            <a:lnRef idx="1">
-              <a:schemeClr val="accent1"/>
-            </a:lnRef>
-            <a:fillRef idx="0">
-              <a:schemeClr val="accent1"/>
-            </a:fillRef>
-            <a:effectRef idx="0">
-              <a:schemeClr val="accent1"/>
-            </a:effectRef>
-            <a:fontRef idx="minor">
-              <a:schemeClr val="tx1"/>
-            </a:fontRef>
-          </p:style>
-        </p:cxnSp>
-        <p:sp>
-          <p:nvSpPr>
-            <p:cNvPr id="19" name="Oval 18"/>
-            <p:cNvSpPr/>
-            <p:nvPr/>
-          </p:nvSpPr>
-          <p:spPr>
-            <a:xfrm>
-              <a:off x="9957490" y="5255743"/>
-              <a:ext cx="1198606" cy="329513"/>
-            </a:xfrm>
-            <a:prstGeom prst="ellipse">
-              <a:avLst/>
-            </a:prstGeom>
-          </p:spPr>
-          <p:style>
-            <a:lnRef idx="2">
-              <a:schemeClr val="accent1">
-                <a:shade val="50000"/>
-              </a:schemeClr>
-            </a:lnRef>
-            <a:fillRef idx="1">
-              <a:schemeClr val="accent1"/>
-            </a:fillRef>
-            <a:effectRef idx="0">
-              <a:schemeClr val="accent1"/>
-            </a:effectRef>
-            <a:fontRef idx="minor">
-              <a:schemeClr val="lt1"/>
-            </a:fontRef>
-          </p:style>
-          <p:txBody>
-            <a:bodyPr rtlCol="0" anchor="ctr"/>
-            <a:lstStyle/>
-            <a:p>
-              <a:pPr algn="ctr"/>
-              <a:r>
-                <a:rPr lang="de-CH" dirty="0" smtClean="0"/>
-                <a:t>Input</a:t>
-              </a:r>
-              <a:endParaRPr lang="en-US" dirty="0"/>
-            </a:p>
-          </p:txBody>
-        </p:sp>
-        <p:sp>
-          <p:nvSpPr>
-            <p:cNvPr id="20" name="Oval 19"/>
-            <p:cNvSpPr/>
-            <p:nvPr/>
-          </p:nvSpPr>
-          <p:spPr>
-            <a:xfrm>
-              <a:off x="9667107" y="1672284"/>
-              <a:ext cx="1779372" cy="642551"/>
-            </a:xfrm>
-            <a:prstGeom prst="ellipse">
-              <a:avLst/>
-            </a:prstGeom>
-          </p:spPr>
-          <p:style>
-            <a:lnRef idx="2">
-              <a:schemeClr val="accent1">
-                <a:shade val="50000"/>
-              </a:schemeClr>
-            </a:lnRef>
-            <a:fillRef idx="1">
-              <a:schemeClr val="accent1"/>
-            </a:fillRef>
-            <a:effectRef idx="0">
-              <a:schemeClr val="accent1"/>
-            </a:effectRef>
-            <a:fontRef idx="minor">
-              <a:schemeClr val="lt1"/>
-            </a:fontRef>
-          </p:style>
-          <p:txBody>
-            <a:bodyPr rtlCol="0" anchor="ctr"/>
-            <a:lstStyle/>
-            <a:p>
-              <a:pPr algn="ctr"/>
-              <a:r>
-                <a:rPr lang="de-CH" dirty="0" smtClean="0"/>
-                <a:t>Output t+1</a:t>
-              </a:r>
-              <a:endParaRPr lang="en-US" dirty="0"/>
+              <a:endParaRPr lang="en-US" sz="900" dirty="0"/>
             </a:p>
           </p:txBody>
         </p:sp>
@@ -3721,40 +3254,7 @@
           </p:nvCxnSpPr>
           <p:spPr>
             <a:xfrm flipV="1">
-              <a:off x="4885036" y="3642413"/>
-              <a:ext cx="778481" cy="1"/>
-            </a:xfrm>
-            <a:prstGeom prst="straightConnector1">
-              <a:avLst/>
-            </a:prstGeom>
-            <a:ln>
-              <a:tailEnd type="triangle"/>
-            </a:ln>
-          </p:spPr>
-          <p:style>
-            <a:lnRef idx="1">
-              <a:schemeClr val="accent1"/>
-            </a:lnRef>
-            <a:fillRef idx="0">
-              <a:schemeClr val="accent1"/>
-            </a:fillRef>
-            <a:effectRef idx="0">
-              <a:schemeClr val="accent1"/>
-            </a:effectRef>
-            <a:fontRef idx="minor">
-              <a:schemeClr val="tx1"/>
-            </a:fontRef>
-          </p:style>
-        </p:cxnSp>
-        <p:cxnSp>
-          <p:nvCxnSpPr>
-            <p:cNvPr id="25" name="Straight Arrow Connector 24"/>
-            <p:cNvCxnSpPr/>
-            <p:nvPr/>
-          </p:nvCxnSpPr>
-          <p:spPr>
-            <a:xfrm flipV="1">
-              <a:off x="8372515" y="3638296"/>
+              <a:off x="3970817" y="4992486"/>
               <a:ext cx="778481" cy="1"/>
             </a:xfrm>
             <a:prstGeom prst="straightConnector1">
@@ -3795,55 +3295,7 @@
           </p:blipFill>
           <p:spPr>
             <a:xfrm>
-              <a:off x="3094080" y="5805104"/>
-              <a:ext cx="390525" cy="628650"/>
-            </a:xfrm>
-            <a:prstGeom prst="rect">
-              <a:avLst/>
-            </a:prstGeom>
-          </p:spPr>
-        </p:pic>
-        <p:pic>
-          <p:nvPicPr>
-            <p:cNvPr id="29" name="Picture 28"/>
-            <p:cNvPicPr>
-              <a:picLocks noChangeAspect="1"/>
-            </p:cNvPicPr>
-            <p:nvPr/>
-          </p:nvPicPr>
-          <p:blipFill>
-            <a:blip r:embed="rId2"/>
-            <a:stretch>
-              <a:fillRect/>
-            </a:stretch>
-          </p:blipFill>
-          <p:spPr>
-            <a:xfrm>
-              <a:off x="6893397" y="5875126"/>
-              <a:ext cx="390525" cy="628650"/>
-            </a:xfrm>
-            <a:prstGeom prst="rect">
-              <a:avLst/>
-            </a:prstGeom>
-          </p:spPr>
-        </p:pic>
-        <p:pic>
-          <p:nvPicPr>
-            <p:cNvPr id="30" name="Picture 29"/>
-            <p:cNvPicPr>
-              <a:picLocks noChangeAspect="1"/>
-            </p:cNvPicPr>
-            <p:nvPr/>
-          </p:nvPicPr>
-          <p:blipFill>
-            <a:blip r:embed="rId2"/>
-            <a:stretch>
-              <a:fillRect/>
-            </a:stretch>
-          </p:blipFill>
-          <p:spPr>
-            <a:xfrm>
-              <a:off x="10692714" y="5755677"/>
+              <a:off x="3173439" y="5752539"/>
               <a:ext cx="390525" cy="628650"/>
             </a:xfrm>
             <a:prstGeom prst="rect">
@@ -3867,8 +3319,8 @@
           </p:blipFill>
           <p:spPr>
             <a:xfrm>
-              <a:off x="1521802" y="229488"/>
-              <a:ext cx="628650" cy="647700"/>
+              <a:off x="2218098" y="2365849"/>
+              <a:ext cx="595073" cy="613106"/>
             </a:xfrm>
             <a:prstGeom prst="rect">
               <a:avLst/>
@@ -3890,8 +3342,8 @@
           </p:blipFill>
           <p:spPr>
             <a:xfrm>
-              <a:off x="2212038" y="850784"/>
-              <a:ext cx="424376" cy="790575"/>
+              <a:off x="2730654" y="3426590"/>
+              <a:ext cx="298839" cy="556711"/>
             </a:xfrm>
             <a:prstGeom prst="rect">
               <a:avLst/>
@@ -3906,8 +3358,8 @@
           </p:nvCxnSpPr>
           <p:spPr>
             <a:xfrm flipH="1" flipV="1">
-              <a:off x="2545493" y="1203499"/>
-              <a:ext cx="963826" cy="725320"/>
+              <a:off x="2970180" y="4019935"/>
+              <a:ext cx="338337" cy="215339"/>
             </a:xfrm>
             <a:prstGeom prst="straightConnector1">
               <a:avLst/>
@@ -3939,8 +3391,8 @@
           </p:nvSpPr>
           <p:spPr>
             <a:xfrm>
-              <a:off x="1309242" y="1319938"/>
-              <a:ext cx="1069524" cy="246221"/>
+              <a:off x="1958542" y="3867885"/>
+              <a:ext cx="981359" cy="230832"/>
             </a:xfrm>
             <a:prstGeom prst="rect">
               <a:avLst/>
@@ -3954,7 +3406,7 @@
             <a:lstStyle/>
             <a:p>
               <a:r>
-                <a:rPr lang="de-CH" sz="1000" dirty="0" err="1" smtClean="0">
+                <a:rPr lang="de-CH" sz="900" dirty="0" err="1" smtClean="0">
                   <a:solidFill>
                     <a:srgbClr val="FF0000"/>
                   </a:solidFill>
@@ -3962,7 +3414,7 @@
                 <a:t>Predicted</a:t>
               </a:r>
               <a:r>
-                <a:rPr lang="de-CH" sz="1000" dirty="0" smtClean="0">
+                <a:rPr lang="de-CH" sz="900" dirty="0" smtClean="0">
                   <a:solidFill>
                     <a:srgbClr val="FF0000"/>
                   </a:solidFill>
@@ -3970,14 +3422,14 @@
                 <a:t> </a:t>
               </a:r>
               <a:r>
-                <a:rPr lang="de-CH" sz="1000" dirty="0" err="1" smtClean="0">
+                <a:rPr lang="de-CH" sz="900" dirty="0" err="1" smtClean="0">
                   <a:solidFill>
                     <a:srgbClr val="FF0000"/>
                   </a:solidFill>
                 </a:rPr>
                 <a:t>output</a:t>
               </a:r>
-              <a:endParaRPr lang="en-US" sz="1000" dirty="0">
+              <a:endParaRPr lang="en-US" sz="900" dirty="0">
                 <a:solidFill>
                   <a:srgbClr val="FF0000"/>
                 </a:solidFill>
@@ -3993,8 +3445,8 @@
           </p:nvSpPr>
           <p:spPr>
             <a:xfrm>
-              <a:off x="740495" y="220968"/>
-              <a:ext cx="873957" cy="246221"/>
+              <a:off x="2503488" y="2202806"/>
+              <a:ext cx="805029" cy="230832"/>
             </a:xfrm>
             <a:prstGeom prst="rect">
               <a:avLst/>
@@ -4008,7 +3460,7 @@
             <a:lstStyle/>
             <a:p>
               <a:r>
-                <a:rPr lang="de-CH" sz="1000" dirty="0" err="1" smtClean="0">
+                <a:rPr lang="de-CH" sz="900" dirty="0" err="1" smtClean="0">
                   <a:solidFill>
                     <a:schemeClr val="accent6"/>
                   </a:solidFill>
@@ -4016,7 +3468,7 @@
                 <a:t>Ground</a:t>
               </a:r>
               <a:r>
-                <a:rPr lang="de-CH" sz="1000" dirty="0" smtClean="0">
+                <a:rPr lang="de-CH" sz="900" dirty="0" smtClean="0">
                   <a:solidFill>
                     <a:schemeClr val="accent6"/>
                   </a:solidFill>
@@ -4024,14 +3476,14 @@
                 <a:t> </a:t>
               </a:r>
               <a:r>
-                <a:rPr lang="de-CH" sz="1000" dirty="0" err="1" smtClean="0">
+                <a:rPr lang="de-CH" sz="900" dirty="0" err="1" smtClean="0">
                   <a:solidFill>
                     <a:schemeClr val="accent6"/>
                   </a:solidFill>
                 </a:rPr>
                 <a:t>truth</a:t>
               </a:r>
-              <a:endParaRPr lang="en-US" sz="1000" dirty="0">
+              <a:endParaRPr lang="en-US" sz="900" dirty="0">
                 <a:solidFill>
                   <a:schemeClr val="accent6"/>
                 </a:solidFill>
@@ -4042,15 +3494,13 @@
         <p:cxnSp>
           <p:nvCxnSpPr>
             <p:cNvPr id="49" name="Straight Arrow Connector 48"/>
-            <p:cNvCxnSpPr>
-              <a:endCxn id="51" idx="2"/>
-            </p:cNvCxnSpPr>
+            <p:cNvCxnSpPr/>
             <p:nvPr/>
           </p:nvCxnSpPr>
           <p:spPr>
             <a:xfrm>
-              <a:off x="2212039" y="621460"/>
-              <a:ext cx="528562" cy="89240"/>
+              <a:off x="2454399" y="2992905"/>
+              <a:ext cx="925387" cy="172922"/>
             </a:xfrm>
             <a:prstGeom prst="straightConnector1">
               <a:avLst/>
@@ -4082,8 +3532,8 @@
           </p:nvSpPr>
           <p:spPr>
             <a:xfrm>
-              <a:off x="2740601" y="528886"/>
-              <a:ext cx="1022501" cy="363627"/>
+              <a:off x="3385475" y="3102860"/>
+              <a:ext cx="625676" cy="196262"/>
             </a:xfrm>
             <a:prstGeom prst="ellipse">
               <a:avLst/>
@@ -4111,10 +3561,10 @@
             <a:p>
               <a:pPr algn="ctr"/>
               <a:r>
-                <a:rPr lang="de-CH" dirty="0" smtClean="0"/>
+                <a:rPr lang="de-CH" sz="900" dirty="0" smtClean="0"/>
                 <a:t>Loss</a:t>
               </a:r>
-              <a:endParaRPr lang="en-US" dirty="0"/>
+              <a:endParaRPr lang="en-US" sz="900" dirty="0"/>
             </a:p>
           </p:txBody>
         </p:sp>
@@ -4126,7 +3576,7 @@
           </p:nvCxnSpPr>
           <p:spPr>
             <a:xfrm flipV="1">
-              <a:off x="2469133" y="865209"/>
+              <a:off x="2813172" y="3252506"/>
               <a:ext cx="603733" cy="220311"/>
             </a:xfrm>
             <a:prstGeom prst="straightConnector1">
@@ -4159,8 +3609,8 @@
           </p:nvSpPr>
           <p:spPr>
             <a:xfrm>
-              <a:off x="4994186" y="3311972"/>
-              <a:ext cx="455574" cy="246221"/>
+              <a:off x="4080859" y="4695851"/>
+              <a:ext cx="426720" cy="230832"/>
             </a:xfrm>
             <a:prstGeom prst="rect">
               <a:avLst/>
@@ -4179,14 +3629,407 @@
             <a:lstStyle/>
             <a:p>
               <a:r>
-                <a:rPr lang="de-CH" sz="1000" dirty="0" smtClean="0">
+                <a:rPr lang="de-CH" sz="900" dirty="0" smtClean="0">
                   <a:solidFill>
                     <a:srgbClr val="FF0000"/>
                   </a:solidFill>
                 </a:rPr>
                 <a:t>State</a:t>
               </a:r>
-              <a:endParaRPr lang="en-US" sz="1000" dirty="0">
+              <a:endParaRPr lang="en-US" sz="900" dirty="0">
+                <a:solidFill>
+                  <a:srgbClr val="FF0000"/>
+                </a:solidFill>
+              </a:endParaRPr>
+            </a:p>
+          </p:txBody>
+        </p:sp>
+        <p:cxnSp>
+          <p:nvCxnSpPr>
+            <p:cNvPr id="55" name="Straight Arrow Connector 54"/>
+            <p:cNvCxnSpPr>
+              <a:endCxn id="4" idx="2"/>
+            </p:cNvCxnSpPr>
+            <p:nvPr/>
+          </p:nvCxnSpPr>
+          <p:spPr>
+            <a:xfrm flipH="1" flipV="1">
+              <a:off x="3356916" y="5173706"/>
+              <a:ext cx="1" cy="240267"/>
+            </a:xfrm>
+            <a:prstGeom prst="straightConnector1">
+              <a:avLst/>
+            </a:prstGeom>
+            <a:ln>
+              <a:tailEnd type="triangle"/>
+            </a:ln>
+          </p:spPr>
+          <p:style>
+            <a:lnRef idx="1">
+              <a:schemeClr val="accent1"/>
+            </a:lnRef>
+            <a:fillRef idx="0">
+              <a:schemeClr val="accent1"/>
+            </a:fillRef>
+            <a:effectRef idx="0">
+              <a:schemeClr val="accent1"/>
+            </a:effectRef>
+            <a:fontRef idx="minor">
+              <a:schemeClr val="tx1"/>
+            </a:fontRef>
+          </p:style>
+        </p:cxnSp>
+      </p:grpSp>
+      <p:grpSp>
+        <p:nvGrpSpPr>
+          <p:cNvPr id="61" name="Group 60"/>
+          <p:cNvGrpSpPr/>
+          <p:nvPr/>
+        </p:nvGrpSpPr>
+        <p:grpSpPr>
+          <a:xfrm>
+            <a:off x="4036037" y="2857227"/>
+            <a:ext cx="2360598" cy="3538401"/>
+            <a:chOff x="1958542" y="2202806"/>
+            <a:chExt cx="2490992" cy="4178383"/>
+          </a:xfrm>
+        </p:grpSpPr>
+        <p:sp>
+          <p:nvSpPr>
+            <p:cNvPr id="62" name="Rectangle 61"/>
+            <p:cNvSpPr/>
+            <p:nvPr/>
+          </p:nvSpPr>
+          <p:spPr>
+            <a:xfrm>
+              <a:off x="2743014" y="4811271"/>
+              <a:ext cx="1227804" cy="362435"/>
+            </a:xfrm>
+            <a:prstGeom prst="rect">
+              <a:avLst/>
+            </a:prstGeom>
+          </p:spPr>
+          <p:style>
+            <a:lnRef idx="2">
+              <a:schemeClr val="accent1">
+                <a:shade val="50000"/>
+              </a:schemeClr>
+            </a:lnRef>
+            <a:fillRef idx="1">
+              <a:schemeClr val="accent1"/>
+            </a:fillRef>
+            <a:effectRef idx="0">
+              <a:schemeClr val="accent1"/>
+            </a:effectRef>
+            <a:fontRef idx="minor">
+              <a:schemeClr val="lt1"/>
+            </a:fontRef>
+          </p:style>
+          <p:txBody>
+            <a:bodyPr rtlCol="0" anchor="ctr"/>
+            <a:lstStyle/>
+            <a:p>
+              <a:pPr algn="ctr"/>
+              <a:r>
+                <a:rPr lang="de-CH" sz="900" dirty="0" smtClean="0"/>
+                <a:t>LSTM </a:t>
+              </a:r>
+              <a:r>
+                <a:rPr lang="de-CH" sz="900" dirty="0" err="1" smtClean="0"/>
+                <a:t>architecture</a:t>
+              </a:r>
+              <a:endParaRPr lang="de-CH" sz="900" dirty="0" smtClean="0"/>
+            </a:p>
+            <a:p>
+              <a:pPr algn="ctr"/>
+              <a:r>
+                <a:rPr lang="de-CH" sz="900" dirty="0" smtClean="0"/>
+                <a:t>(1024 Hidden </a:t>
+              </a:r>
+              <a:r>
+                <a:rPr lang="de-CH" sz="900" dirty="0" err="1" smtClean="0"/>
+                <a:t>states</a:t>
+              </a:r>
+              <a:r>
+                <a:rPr lang="de-CH" sz="900" dirty="0" smtClean="0"/>
+                <a:t>)</a:t>
+              </a:r>
+              <a:endParaRPr lang="en-US" sz="900" dirty="0"/>
+            </a:p>
+          </p:txBody>
+        </p:sp>
+        <p:cxnSp>
+          <p:nvCxnSpPr>
+            <p:cNvPr id="65" name="Straight Arrow Connector 64"/>
+            <p:cNvCxnSpPr/>
+            <p:nvPr/>
+          </p:nvCxnSpPr>
+          <p:spPr>
+            <a:xfrm flipH="1" flipV="1">
+              <a:off x="3356916" y="4575973"/>
+              <a:ext cx="10115" cy="235299"/>
+            </a:xfrm>
+            <a:prstGeom prst="straightConnector1">
+              <a:avLst/>
+            </a:prstGeom>
+            <a:ln>
+              <a:tailEnd type="triangle"/>
+            </a:ln>
+          </p:spPr>
+          <p:style>
+            <a:lnRef idx="1">
+              <a:schemeClr val="accent1"/>
+            </a:lnRef>
+            <a:fillRef idx="0">
+              <a:schemeClr val="accent1"/>
+            </a:fillRef>
+            <a:effectRef idx="0">
+              <a:schemeClr val="accent1"/>
+            </a:effectRef>
+            <a:fontRef idx="minor">
+              <a:schemeClr val="tx1"/>
+            </a:fontRef>
+          </p:style>
+        </p:cxnSp>
+        <p:sp>
+          <p:nvSpPr>
+            <p:cNvPr id="66" name="Oval 65"/>
+            <p:cNvSpPr/>
+            <p:nvPr/>
+          </p:nvSpPr>
+          <p:spPr>
+            <a:xfrm>
+              <a:off x="2978590" y="5413973"/>
+              <a:ext cx="802394" cy="252765"/>
+            </a:xfrm>
+            <a:prstGeom prst="ellipse">
+              <a:avLst/>
+            </a:prstGeom>
+          </p:spPr>
+          <p:style>
+            <a:lnRef idx="2">
+              <a:schemeClr val="accent1">
+                <a:shade val="50000"/>
+              </a:schemeClr>
+            </a:lnRef>
+            <a:fillRef idx="1">
+              <a:schemeClr val="accent1"/>
+            </a:fillRef>
+            <a:effectRef idx="0">
+              <a:schemeClr val="accent1"/>
+            </a:effectRef>
+            <a:fontRef idx="minor">
+              <a:schemeClr val="lt1"/>
+            </a:fontRef>
+          </p:style>
+          <p:txBody>
+            <a:bodyPr rtlCol="0" anchor="ctr"/>
+            <a:lstStyle/>
+            <a:p>
+              <a:pPr algn="ctr"/>
+              <a:r>
+                <a:rPr lang="de-CH" sz="900" dirty="0" smtClean="0"/>
+                <a:t>Input</a:t>
+              </a:r>
+              <a:endParaRPr lang="en-US" sz="900" dirty="0"/>
+            </a:p>
+          </p:txBody>
+        </p:sp>
+        <p:sp>
+          <p:nvSpPr>
+            <p:cNvPr id="67" name="Oval 66"/>
+            <p:cNvSpPr/>
+            <p:nvPr/>
+          </p:nvSpPr>
+          <p:spPr>
+            <a:xfrm>
+              <a:off x="2860845" y="4201748"/>
+              <a:ext cx="1037883" cy="386016"/>
+            </a:xfrm>
+            <a:prstGeom prst="ellipse">
+              <a:avLst/>
+            </a:prstGeom>
+          </p:spPr>
+          <p:style>
+            <a:lnRef idx="2">
+              <a:schemeClr val="accent1">
+                <a:shade val="50000"/>
+              </a:schemeClr>
+            </a:lnRef>
+            <a:fillRef idx="1">
+              <a:schemeClr val="accent1"/>
+            </a:fillRef>
+            <a:effectRef idx="0">
+              <a:schemeClr val="accent1"/>
+            </a:effectRef>
+            <a:fontRef idx="minor">
+              <a:schemeClr val="lt1"/>
+            </a:fontRef>
+          </p:style>
+          <p:txBody>
+            <a:bodyPr rtlCol="0" anchor="ctr"/>
+            <a:lstStyle/>
+            <a:p>
+              <a:pPr algn="ctr"/>
+              <a:r>
+                <a:rPr lang="de-CH" sz="900" dirty="0" smtClean="0"/>
+                <a:t>Output t-1</a:t>
+              </a:r>
+              <a:endParaRPr lang="en-US" sz="900" dirty="0"/>
+            </a:p>
+          </p:txBody>
+        </p:sp>
+        <p:pic>
+          <p:nvPicPr>
+            <p:cNvPr id="69" name="Picture 68"/>
+            <p:cNvPicPr>
+              <a:picLocks noChangeAspect="1"/>
+            </p:cNvPicPr>
+            <p:nvPr/>
+          </p:nvPicPr>
+          <p:blipFill>
+            <a:blip r:embed="rId2"/>
+            <a:stretch>
+              <a:fillRect/>
+            </a:stretch>
+          </p:blipFill>
+          <p:spPr>
+            <a:xfrm>
+              <a:off x="3173439" y="5752539"/>
+              <a:ext cx="390525" cy="628650"/>
+            </a:xfrm>
+            <a:prstGeom prst="rect">
+              <a:avLst/>
+            </a:prstGeom>
+          </p:spPr>
+        </p:pic>
+        <p:pic>
+          <p:nvPicPr>
+            <p:cNvPr id="70" name="Picture 69"/>
+            <p:cNvPicPr>
+              <a:picLocks noChangeAspect="1"/>
+            </p:cNvPicPr>
+            <p:nvPr/>
+          </p:nvPicPr>
+          <p:blipFill>
+            <a:blip r:embed="rId3"/>
+            <a:stretch>
+              <a:fillRect/>
+            </a:stretch>
+          </p:blipFill>
+          <p:spPr>
+            <a:xfrm>
+              <a:off x="2218098" y="2365849"/>
+              <a:ext cx="595073" cy="613106"/>
+            </a:xfrm>
+            <a:prstGeom prst="rect">
+              <a:avLst/>
+            </a:prstGeom>
+          </p:spPr>
+        </p:pic>
+        <p:pic>
+          <p:nvPicPr>
+            <p:cNvPr id="86" name="Picture 85"/>
+            <p:cNvPicPr>
+              <a:picLocks noChangeAspect="1"/>
+            </p:cNvPicPr>
+            <p:nvPr/>
+          </p:nvPicPr>
+          <p:blipFill rotWithShape="1">
+            <a:blip r:embed="rId4"/>
+            <a:srcRect r="12639"/>
+            <a:stretch/>
+          </p:blipFill>
+          <p:spPr>
+            <a:xfrm>
+              <a:off x="2730654" y="3426590"/>
+              <a:ext cx="298839" cy="556711"/>
+            </a:xfrm>
+            <a:prstGeom prst="rect">
+              <a:avLst/>
+            </a:prstGeom>
+          </p:spPr>
+        </p:pic>
+        <p:cxnSp>
+          <p:nvCxnSpPr>
+            <p:cNvPr id="89" name="Straight Arrow Connector 88"/>
+            <p:cNvCxnSpPr/>
+            <p:nvPr/>
+          </p:nvCxnSpPr>
+          <p:spPr>
+            <a:xfrm flipH="1" flipV="1">
+              <a:off x="2970180" y="4019935"/>
+              <a:ext cx="338337" cy="215339"/>
+            </a:xfrm>
+            <a:prstGeom prst="straightConnector1">
+              <a:avLst/>
+            </a:prstGeom>
+            <a:ln>
+              <a:tailEnd type="triangle"/>
+            </a:ln>
+          </p:spPr>
+          <p:style>
+            <a:lnRef idx="1">
+              <a:schemeClr val="accent1"/>
+            </a:lnRef>
+            <a:fillRef idx="0">
+              <a:schemeClr val="accent1"/>
+            </a:fillRef>
+            <a:effectRef idx="0">
+              <a:schemeClr val="accent1"/>
+            </a:effectRef>
+            <a:fontRef idx="minor">
+              <a:schemeClr val="tx1"/>
+            </a:fontRef>
+          </p:style>
+        </p:cxnSp>
+        <p:sp>
+          <p:nvSpPr>
+            <p:cNvPr id="90" name="TextBox 89"/>
+            <p:cNvSpPr txBox="1"/>
+            <p:nvPr/>
+          </p:nvSpPr>
+          <p:spPr>
+            <a:xfrm>
+              <a:off x="1958542" y="3867885"/>
+              <a:ext cx="981359" cy="230832"/>
+            </a:xfrm>
+            <a:prstGeom prst="rect">
+              <a:avLst/>
+            </a:prstGeom>
+            <a:noFill/>
+          </p:spPr>
+          <p:txBody>
+            <a:bodyPr wrap="none" rtlCol="0">
+              <a:spAutoFit/>
+            </a:bodyPr>
+            <a:lstStyle/>
+            <a:p>
+              <a:r>
+                <a:rPr lang="de-CH" sz="900" dirty="0" err="1" smtClean="0">
+                  <a:solidFill>
+                    <a:srgbClr val="FF0000"/>
+                  </a:solidFill>
+                </a:rPr>
+                <a:t>Predicted</a:t>
+              </a:r>
+              <a:r>
+                <a:rPr lang="de-CH" sz="900" dirty="0" smtClean="0">
+                  <a:solidFill>
+                    <a:srgbClr val="FF0000"/>
+                  </a:solidFill>
+                </a:rPr>
+                <a:t> </a:t>
+              </a:r>
+              <a:r>
+                <a:rPr lang="de-CH" sz="900" dirty="0" err="1" smtClean="0">
+                  <a:solidFill>
+                    <a:srgbClr val="FF0000"/>
+                  </a:solidFill>
+                </a:rPr>
+                <a:t>output</a:t>
+              </a:r>
+              <a:endParaRPr lang="en-US" sz="900" dirty="0">
                 <a:solidFill>
                   <a:srgbClr val="FF0000"/>
                 </a:solidFill>
@@ -4196,14 +4039,178 @@
         </p:sp>
         <p:sp>
           <p:nvSpPr>
-            <p:cNvPr id="64" name="TextBox 63"/>
+            <p:cNvPr id="91" name="TextBox 90"/>
             <p:cNvSpPr txBox="1"/>
             <p:nvPr/>
           </p:nvSpPr>
           <p:spPr>
             <a:xfrm>
-              <a:off x="8649515" y="3229692"/>
-              <a:ext cx="455574" cy="246221"/>
+              <a:off x="2503488" y="2202806"/>
+              <a:ext cx="805029" cy="230832"/>
+            </a:xfrm>
+            <a:prstGeom prst="rect">
+              <a:avLst/>
+            </a:prstGeom>
+            <a:noFill/>
+          </p:spPr>
+          <p:txBody>
+            <a:bodyPr wrap="none" rtlCol="0">
+              <a:spAutoFit/>
+            </a:bodyPr>
+            <a:lstStyle/>
+            <a:p>
+              <a:r>
+                <a:rPr lang="de-CH" sz="900" dirty="0" err="1" smtClean="0">
+                  <a:solidFill>
+                    <a:schemeClr val="accent6"/>
+                  </a:solidFill>
+                </a:rPr>
+                <a:t>Ground</a:t>
+              </a:r>
+              <a:r>
+                <a:rPr lang="de-CH" sz="900" dirty="0" smtClean="0">
+                  <a:solidFill>
+                    <a:schemeClr val="accent6"/>
+                  </a:solidFill>
+                </a:rPr>
+                <a:t> </a:t>
+              </a:r>
+              <a:r>
+                <a:rPr lang="de-CH" sz="900" dirty="0" err="1" smtClean="0">
+                  <a:solidFill>
+                    <a:schemeClr val="accent6"/>
+                  </a:solidFill>
+                </a:rPr>
+                <a:t>truth</a:t>
+              </a:r>
+              <a:endParaRPr lang="en-US" sz="900" dirty="0">
+                <a:solidFill>
+                  <a:schemeClr val="accent6"/>
+                </a:solidFill>
+              </a:endParaRPr>
+            </a:p>
+          </p:txBody>
+        </p:sp>
+        <p:cxnSp>
+          <p:nvCxnSpPr>
+            <p:cNvPr id="92" name="Straight Arrow Connector 91"/>
+            <p:cNvCxnSpPr/>
+            <p:nvPr/>
+          </p:nvCxnSpPr>
+          <p:spPr>
+            <a:xfrm>
+              <a:off x="2454399" y="2992905"/>
+              <a:ext cx="925387" cy="172922"/>
+            </a:xfrm>
+            <a:prstGeom prst="straightConnector1">
+              <a:avLst/>
+            </a:prstGeom>
+            <a:ln>
+              <a:tailEnd type="triangle"/>
+            </a:ln>
+          </p:spPr>
+          <p:style>
+            <a:lnRef idx="1">
+              <a:schemeClr val="accent1"/>
+            </a:lnRef>
+            <a:fillRef idx="0">
+              <a:schemeClr val="accent1"/>
+            </a:fillRef>
+            <a:effectRef idx="0">
+              <a:schemeClr val="accent1"/>
+            </a:effectRef>
+            <a:fontRef idx="minor">
+              <a:schemeClr val="tx1"/>
+            </a:fontRef>
+          </p:style>
+        </p:cxnSp>
+        <p:sp>
+          <p:nvSpPr>
+            <p:cNvPr id="93" name="Oval 92"/>
+            <p:cNvSpPr/>
+            <p:nvPr/>
+          </p:nvSpPr>
+          <p:spPr>
+            <a:xfrm>
+              <a:off x="3385475" y="3102860"/>
+              <a:ext cx="625676" cy="196262"/>
+            </a:xfrm>
+            <a:prstGeom prst="ellipse">
+              <a:avLst/>
+            </a:prstGeom>
+          </p:spPr>
+          <p:style>
+            <a:lnRef idx="2">
+              <a:schemeClr val="accent1">
+                <a:shade val="50000"/>
+              </a:schemeClr>
+            </a:lnRef>
+            <a:fillRef idx="1">
+              <a:schemeClr val="accent1"/>
+            </a:fillRef>
+            <a:effectRef idx="0">
+              <a:schemeClr val="accent1"/>
+            </a:effectRef>
+            <a:fontRef idx="minor">
+              <a:schemeClr val="lt1"/>
+            </a:fontRef>
+          </p:style>
+          <p:txBody>
+            <a:bodyPr rtlCol="0" anchor="ctr"/>
+            <a:lstStyle/>
+            <a:p>
+              <a:pPr algn="ctr"/>
+              <a:r>
+                <a:rPr lang="de-CH" sz="900" dirty="0" smtClean="0"/>
+                <a:t>Loss</a:t>
+              </a:r>
+              <a:endParaRPr lang="en-US" sz="900" dirty="0"/>
+            </a:p>
+          </p:txBody>
+        </p:sp>
+        <p:cxnSp>
+          <p:nvCxnSpPr>
+            <p:cNvPr id="94" name="Straight Arrow Connector 93"/>
+            <p:cNvCxnSpPr/>
+            <p:nvPr/>
+          </p:nvCxnSpPr>
+          <p:spPr>
+            <a:xfrm flipV="1">
+              <a:off x="2813172" y="3252506"/>
+              <a:ext cx="603733" cy="220311"/>
+            </a:xfrm>
+            <a:prstGeom prst="straightConnector1">
+              <a:avLst/>
+            </a:prstGeom>
+            <a:ln>
+              <a:tailEnd type="triangle"/>
+            </a:ln>
+          </p:spPr>
+          <p:style>
+            <a:lnRef idx="1">
+              <a:schemeClr val="accent1"/>
+            </a:lnRef>
+            <a:fillRef idx="0">
+              <a:schemeClr val="accent1"/>
+            </a:fillRef>
+            <a:effectRef idx="0">
+              <a:schemeClr val="accent1"/>
+            </a:effectRef>
+            <a:fontRef idx="minor">
+              <a:schemeClr val="tx1"/>
+            </a:fontRef>
+          </p:style>
+        </p:cxnSp>
+        <p:sp>
+          <p:nvSpPr>
+            <p:cNvPr id="95" name="TextBox 94"/>
+            <p:cNvSpPr txBox="1"/>
+            <p:nvPr/>
+          </p:nvSpPr>
+          <p:spPr>
+            <a:xfrm>
+              <a:off x="4022814" y="4552893"/>
+              <a:ext cx="426720" cy="230832"/>
             </a:xfrm>
             <a:prstGeom prst="rect">
               <a:avLst/>
@@ -4222,14 +4229,14 @@
             <a:lstStyle/>
             <a:p>
               <a:r>
-                <a:rPr lang="de-CH" sz="1000" dirty="0" smtClean="0">
+                <a:rPr lang="de-CH" sz="900" dirty="0" smtClean="0">
                   <a:solidFill>
                     <a:srgbClr val="FF0000"/>
                   </a:solidFill>
                 </a:rPr>
                 <a:t>State</a:t>
               </a:r>
-              <a:endParaRPr lang="en-US" sz="1000" dirty="0">
+              <a:endParaRPr lang="en-US" sz="900" dirty="0">
                 <a:solidFill>
                   <a:srgbClr val="FF0000"/>
                 </a:solidFill>
@@ -4237,9 +4244,268 @@
             </a:p>
           </p:txBody>
         </p:sp>
+        <p:cxnSp>
+          <p:nvCxnSpPr>
+            <p:cNvPr id="96" name="Straight Arrow Connector 95"/>
+            <p:cNvCxnSpPr>
+              <a:endCxn id="62" idx="2"/>
+            </p:cNvCxnSpPr>
+            <p:nvPr/>
+          </p:nvCxnSpPr>
+          <p:spPr>
+            <a:xfrm flipH="1" flipV="1">
+              <a:off x="3356916" y="5173706"/>
+              <a:ext cx="1" cy="240267"/>
+            </a:xfrm>
+            <a:prstGeom prst="straightConnector1">
+              <a:avLst/>
+            </a:prstGeom>
+            <a:ln>
+              <a:tailEnd type="triangle"/>
+            </a:ln>
+          </p:spPr>
+          <p:style>
+            <a:lnRef idx="1">
+              <a:schemeClr val="accent1"/>
+            </a:lnRef>
+            <a:fillRef idx="0">
+              <a:schemeClr val="accent1"/>
+            </a:fillRef>
+            <a:effectRef idx="0">
+              <a:schemeClr val="accent1"/>
+            </a:effectRef>
+            <a:fontRef idx="minor">
+              <a:schemeClr val="tx1"/>
+            </a:fontRef>
+          </p:style>
+        </p:cxnSp>
+      </p:grpSp>
+      <p:grpSp>
+        <p:nvGrpSpPr>
+          <p:cNvPr id="97" name="Group 96"/>
+          <p:cNvGrpSpPr/>
+          <p:nvPr/>
+        </p:nvGrpSpPr>
+        <p:grpSpPr>
+          <a:xfrm>
+            <a:off x="5812518" y="2842788"/>
+            <a:ext cx="1945161" cy="3538401"/>
+            <a:chOff x="1958542" y="2202806"/>
+            <a:chExt cx="2052609" cy="4178383"/>
+          </a:xfrm>
+        </p:grpSpPr>
+        <p:sp>
+          <p:nvSpPr>
+            <p:cNvPr id="98" name="Rectangle 97"/>
+            <p:cNvSpPr/>
+            <p:nvPr/>
+          </p:nvSpPr>
+          <p:spPr>
+            <a:xfrm>
+              <a:off x="2743014" y="4811271"/>
+              <a:ext cx="1227804" cy="362435"/>
+            </a:xfrm>
+            <a:prstGeom prst="rect">
+              <a:avLst/>
+            </a:prstGeom>
+          </p:spPr>
+          <p:style>
+            <a:lnRef idx="2">
+              <a:schemeClr val="accent1">
+                <a:shade val="50000"/>
+              </a:schemeClr>
+            </a:lnRef>
+            <a:fillRef idx="1">
+              <a:schemeClr val="accent1"/>
+            </a:fillRef>
+            <a:effectRef idx="0">
+              <a:schemeClr val="accent1"/>
+            </a:effectRef>
+            <a:fontRef idx="minor">
+              <a:schemeClr val="lt1"/>
+            </a:fontRef>
+          </p:style>
+          <p:txBody>
+            <a:bodyPr rtlCol="0" anchor="ctr"/>
+            <a:lstStyle/>
+            <a:p>
+              <a:pPr algn="ctr"/>
+              <a:r>
+                <a:rPr lang="de-CH" sz="900" dirty="0" smtClean="0"/>
+                <a:t>LSTM </a:t>
+              </a:r>
+              <a:r>
+                <a:rPr lang="de-CH" sz="900" dirty="0" err="1" smtClean="0"/>
+                <a:t>architecture</a:t>
+              </a:r>
+              <a:endParaRPr lang="de-CH" sz="900" dirty="0" smtClean="0"/>
+            </a:p>
+            <a:p>
+              <a:pPr algn="ctr"/>
+              <a:r>
+                <a:rPr lang="de-CH" sz="900" dirty="0" smtClean="0"/>
+                <a:t>(1024 Hidden </a:t>
+              </a:r>
+              <a:r>
+                <a:rPr lang="de-CH" sz="900" dirty="0" err="1" smtClean="0"/>
+                <a:t>states</a:t>
+              </a:r>
+              <a:r>
+                <a:rPr lang="de-CH" sz="900" dirty="0" smtClean="0"/>
+                <a:t>)</a:t>
+              </a:r>
+              <a:endParaRPr lang="en-US" sz="900" dirty="0"/>
+            </a:p>
+          </p:txBody>
+        </p:sp>
+        <p:cxnSp>
+          <p:nvCxnSpPr>
+            <p:cNvPr id="99" name="Straight Arrow Connector 98"/>
+            <p:cNvCxnSpPr/>
+            <p:nvPr/>
+          </p:nvCxnSpPr>
+          <p:spPr>
+            <a:xfrm flipH="1" flipV="1">
+              <a:off x="3356916" y="4575973"/>
+              <a:ext cx="10115" cy="235299"/>
+            </a:xfrm>
+            <a:prstGeom prst="straightConnector1">
+              <a:avLst/>
+            </a:prstGeom>
+            <a:ln>
+              <a:tailEnd type="triangle"/>
+            </a:ln>
+          </p:spPr>
+          <p:style>
+            <a:lnRef idx="1">
+              <a:schemeClr val="accent1"/>
+            </a:lnRef>
+            <a:fillRef idx="0">
+              <a:schemeClr val="accent1"/>
+            </a:fillRef>
+            <a:effectRef idx="0">
+              <a:schemeClr val="accent1"/>
+            </a:effectRef>
+            <a:fontRef idx="minor">
+              <a:schemeClr val="tx1"/>
+            </a:fontRef>
+          </p:style>
+        </p:cxnSp>
+        <p:sp>
+          <p:nvSpPr>
+            <p:cNvPr id="100" name="Oval 99"/>
+            <p:cNvSpPr/>
+            <p:nvPr/>
+          </p:nvSpPr>
+          <p:spPr>
+            <a:xfrm>
+              <a:off x="2978590" y="5413973"/>
+              <a:ext cx="802394" cy="252765"/>
+            </a:xfrm>
+            <a:prstGeom prst="ellipse">
+              <a:avLst/>
+            </a:prstGeom>
+          </p:spPr>
+          <p:style>
+            <a:lnRef idx="2">
+              <a:schemeClr val="accent1">
+                <a:shade val="50000"/>
+              </a:schemeClr>
+            </a:lnRef>
+            <a:fillRef idx="1">
+              <a:schemeClr val="accent1"/>
+            </a:fillRef>
+            <a:effectRef idx="0">
+              <a:schemeClr val="accent1"/>
+            </a:effectRef>
+            <a:fontRef idx="minor">
+              <a:schemeClr val="lt1"/>
+            </a:fontRef>
+          </p:style>
+          <p:txBody>
+            <a:bodyPr rtlCol="0" anchor="ctr"/>
+            <a:lstStyle/>
+            <a:p>
+              <a:pPr algn="ctr"/>
+              <a:r>
+                <a:rPr lang="de-CH" sz="900" dirty="0" smtClean="0"/>
+                <a:t>Input</a:t>
+              </a:r>
+              <a:endParaRPr lang="en-US" sz="900" dirty="0"/>
+            </a:p>
+          </p:txBody>
+        </p:sp>
+        <p:sp>
+          <p:nvSpPr>
+            <p:cNvPr id="101" name="Oval 100"/>
+            <p:cNvSpPr/>
+            <p:nvPr/>
+          </p:nvSpPr>
+          <p:spPr>
+            <a:xfrm>
+              <a:off x="2860845" y="4201748"/>
+              <a:ext cx="1037883" cy="386016"/>
+            </a:xfrm>
+            <a:prstGeom prst="ellipse">
+              <a:avLst/>
+            </a:prstGeom>
+          </p:spPr>
+          <p:style>
+            <a:lnRef idx="2">
+              <a:schemeClr val="accent1">
+                <a:shade val="50000"/>
+              </a:schemeClr>
+            </a:lnRef>
+            <a:fillRef idx="1">
+              <a:schemeClr val="accent1"/>
+            </a:fillRef>
+            <a:effectRef idx="0">
+              <a:schemeClr val="accent1"/>
+            </a:effectRef>
+            <a:fontRef idx="minor">
+              <a:schemeClr val="lt1"/>
+            </a:fontRef>
+          </p:style>
+          <p:txBody>
+            <a:bodyPr rtlCol="0" anchor="ctr"/>
+            <a:lstStyle/>
+            <a:p>
+              <a:pPr algn="ctr"/>
+              <a:r>
+                <a:rPr lang="de-CH" sz="900" dirty="0" smtClean="0"/>
+                <a:t>Output t-1</a:t>
+              </a:r>
+              <a:endParaRPr lang="en-US" sz="900" dirty="0"/>
+            </a:p>
+          </p:txBody>
+        </p:sp>
         <p:pic>
           <p:nvPicPr>
-            <p:cNvPr id="71" name="Picture 70"/>
+            <p:cNvPr id="103" name="Picture 102"/>
+            <p:cNvPicPr>
+              <a:picLocks noChangeAspect="1"/>
+            </p:cNvPicPr>
+            <p:nvPr/>
+          </p:nvPicPr>
+          <p:blipFill>
+            <a:blip r:embed="rId2"/>
+            <a:stretch>
+              <a:fillRect/>
+            </a:stretch>
+          </p:blipFill>
+          <p:spPr>
+            <a:xfrm>
+              <a:off x="3173439" y="5752539"/>
+              <a:ext cx="390525" cy="628650"/>
+            </a:xfrm>
+            <a:prstGeom prst="rect">
+              <a:avLst/>
+            </a:prstGeom>
+          </p:spPr>
+        </p:pic>
+        <p:pic>
+          <p:nvPicPr>
+            <p:cNvPr id="104" name="Picture 103"/>
             <p:cNvPicPr>
               <a:picLocks noChangeAspect="1"/>
             </p:cNvPicPr>
@@ -4253,8 +4519,8 @@
           </p:blipFill>
           <p:spPr>
             <a:xfrm>
-              <a:off x="5419574" y="241921"/>
-              <a:ext cx="628650" cy="647700"/>
+              <a:off x="2218098" y="2365849"/>
+              <a:ext cx="595073" cy="613106"/>
             </a:xfrm>
             <a:prstGeom prst="rect">
               <a:avLst/>
@@ -4263,7 +4529,7 @@
         </p:pic>
         <p:pic>
           <p:nvPicPr>
-            <p:cNvPr id="72" name="Picture 71"/>
+            <p:cNvPr id="105" name="Picture 104"/>
             <p:cNvPicPr>
               <a:picLocks noChangeAspect="1"/>
             </p:cNvPicPr>
@@ -4276,24 +4542,57 @@
           </p:blipFill>
           <p:spPr>
             <a:xfrm>
-              <a:off x="6109810" y="863217"/>
-              <a:ext cx="424376" cy="790575"/>
+              <a:off x="2730654" y="3426590"/>
+              <a:ext cx="298839" cy="556711"/>
             </a:xfrm>
             <a:prstGeom prst="rect">
               <a:avLst/>
             </a:prstGeom>
           </p:spPr>
         </p:pic>
+        <p:cxnSp>
+          <p:nvCxnSpPr>
+            <p:cNvPr id="106" name="Straight Arrow Connector 105"/>
+            <p:cNvCxnSpPr/>
+            <p:nvPr/>
+          </p:nvCxnSpPr>
+          <p:spPr>
+            <a:xfrm flipH="1" flipV="1">
+              <a:off x="2970180" y="4019935"/>
+              <a:ext cx="338337" cy="215339"/>
+            </a:xfrm>
+            <a:prstGeom prst="straightConnector1">
+              <a:avLst/>
+            </a:prstGeom>
+            <a:ln>
+              <a:tailEnd type="triangle"/>
+            </a:ln>
+          </p:spPr>
+          <p:style>
+            <a:lnRef idx="1">
+              <a:schemeClr val="accent1"/>
+            </a:lnRef>
+            <a:fillRef idx="0">
+              <a:schemeClr val="accent1"/>
+            </a:fillRef>
+            <a:effectRef idx="0">
+              <a:schemeClr val="accent1"/>
+            </a:effectRef>
+            <a:fontRef idx="minor">
+              <a:schemeClr val="tx1"/>
+            </a:fontRef>
+          </p:style>
+        </p:cxnSp>
         <p:sp>
           <p:nvSpPr>
-            <p:cNvPr id="73" name="TextBox 72"/>
+            <p:cNvPr id="107" name="TextBox 106"/>
             <p:cNvSpPr txBox="1"/>
             <p:nvPr/>
           </p:nvSpPr>
           <p:spPr>
             <a:xfrm>
-              <a:off x="5207014" y="1332371"/>
-              <a:ext cx="1069524" cy="246221"/>
+              <a:off x="1958542" y="3867885"/>
+              <a:ext cx="981359" cy="230832"/>
             </a:xfrm>
             <a:prstGeom prst="rect">
               <a:avLst/>
@@ -4307,7 +4606,7 @@
             <a:lstStyle/>
             <a:p>
               <a:r>
-                <a:rPr lang="de-CH" sz="1000" dirty="0" err="1" smtClean="0">
+                <a:rPr lang="de-CH" sz="900" dirty="0" err="1" smtClean="0">
                   <a:solidFill>
                     <a:srgbClr val="FF0000"/>
                   </a:solidFill>
@@ -4315,7 +4614,7 @@
                 <a:t>Predicted</a:t>
               </a:r>
               <a:r>
-                <a:rPr lang="de-CH" sz="1000" dirty="0" smtClean="0">
+                <a:rPr lang="de-CH" sz="900" dirty="0" smtClean="0">
                   <a:solidFill>
                     <a:srgbClr val="FF0000"/>
                   </a:solidFill>
@@ -4323,14 +4622,14 @@
                 <a:t> </a:t>
               </a:r>
               <a:r>
-                <a:rPr lang="de-CH" sz="1000" dirty="0" err="1" smtClean="0">
+                <a:rPr lang="de-CH" sz="900" dirty="0" err="1" smtClean="0">
                   <a:solidFill>
                     <a:srgbClr val="FF0000"/>
                   </a:solidFill>
                 </a:rPr>
                 <a:t>output</a:t>
               </a:r>
-              <a:endParaRPr lang="en-US" sz="1000" dirty="0">
+              <a:endParaRPr lang="en-US" sz="900" dirty="0">
                 <a:solidFill>
                   <a:srgbClr val="FF0000"/>
                 </a:solidFill>
@@ -4340,14 +4639,14 @@
         </p:sp>
         <p:sp>
           <p:nvSpPr>
-            <p:cNvPr id="74" name="TextBox 73"/>
+            <p:cNvPr id="108" name="TextBox 107"/>
             <p:cNvSpPr txBox="1"/>
             <p:nvPr/>
           </p:nvSpPr>
           <p:spPr>
             <a:xfrm>
-              <a:off x="4638267" y="233401"/>
-              <a:ext cx="873957" cy="246221"/>
+              <a:off x="2503488" y="2202806"/>
+              <a:ext cx="805029" cy="230832"/>
             </a:xfrm>
             <a:prstGeom prst="rect">
               <a:avLst/>
@@ -4361,7 +4660,7 @@
             <a:lstStyle/>
             <a:p>
               <a:r>
-                <a:rPr lang="de-CH" sz="1000" dirty="0" err="1" smtClean="0">
+                <a:rPr lang="de-CH" sz="900" dirty="0" err="1" smtClean="0">
                   <a:solidFill>
                     <a:schemeClr val="accent6"/>
                   </a:solidFill>
@@ -4369,7 +4668,7 @@
                 <a:t>Ground</a:t>
               </a:r>
               <a:r>
-                <a:rPr lang="de-CH" sz="1000" dirty="0" smtClean="0">
+                <a:rPr lang="de-CH" sz="900" dirty="0" smtClean="0">
                   <a:solidFill>
                     <a:schemeClr val="accent6"/>
                   </a:solidFill>
@@ -4377,14 +4676,14 @@
                 <a:t> </a:t>
               </a:r>
               <a:r>
-                <a:rPr lang="de-CH" sz="1000" dirty="0" err="1" smtClean="0">
+                <a:rPr lang="de-CH" sz="900" dirty="0" err="1" smtClean="0">
                   <a:solidFill>
                     <a:schemeClr val="accent6"/>
                   </a:solidFill>
                 </a:rPr>
                 <a:t>truth</a:t>
               </a:r>
-              <a:endParaRPr lang="en-US" sz="1000" dirty="0">
+              <a:endParaRPr lang="en-US" sz="900" dirty="0">
                 <a:solidFill>
                   <a:schemeClr val="accent6"/>
                 </a:solidFill>
@@ -4394,16 +4693,14 @@
         </p:sp>
         <p:cxnSp>
           <p:nvCxnSpPr>
-            <p:cNvPr id="75" name="Straight Arrow Connector 74"/>
-            <p:cNvCxnSpPr>
-              <a:endCxn id="76" idx="2"/>
-            </p:cNvCxnSpPr>
+            <p:cNvPr id="109" name="Straight Arrow Connector 108"/>
+            <p:cNvCxnSpPr/>
             <p:nvPr/>
           </p:nvCxnSpPr>
           <p:spPr>
             <a:xfrm>
-              <a:off x="6109811" y="633893"/>
-              <a:ext cx="528562" cy="89240"/>
+              <a:off x="2454399" y="2992905"/>
+              <a:ext cx="925387" cy="172922"/>
             </a:xfrm>
             <a:prstGeom prst="straightConnector1">
               <a:avLst/>
@@ -4429,14 +4726,14 @@
         </p:cxnSp>
         <p:sp>
           <p:nvSpPr>
-            <p:cNvPr id="76" name="Oval 75"/>
+            <p:cNvPr id="110" name="Oval 109"/>
             <p:cNvSpPr/>
             <p:nvPr/>
           </p:nvSpPr>
           <p:spPr>
             <a:xfrm>
-              <a:off x="6638373" y="541319"/>
-              <a:ext cx="1022501" cy="363627"/>
+              <a:off x="3385475" y="3102860"/>
+              <a:ext cx="625676" cy="196262"/>
             </a:xfrm>
             <a:prstGeom prst="ellipse">
               <a:avLst/>
@@ -4464,22 +4761,22 @@
             <a:p>
               <a:pPr algn="ctr"/>
               <a:r>
-                <a:rPr lang="de-CH" dirty="0" smtClean="0"/>
+                <a:rPr lang="de-CH" sz="900" dirty="0" smtClean="0"/>
                 <a:t>Loss</a:t>
               </a:r>
-              <a:endParaRPr lang="en-US" dirty="0"/>
+              <a:endParaRPr lang="en-US" sz="900" dirty="0"/>
             </a:p>
           </p:txBody>
         </p:sp>
         <p:cxnSp>
           <p:nvCxnSpPr>
-            <p:cNvPr id="77" name="Straight Arrow Connector 76"/>
+            <p:cNvPr id="111" name="Straight Arrow Connector 110"/>
             <p:cNvCxnSpPr/>
             <p:nvPr/>
           </p:nvCxnSpPr>
           <p:spPr>
             <a:xfrm flipV="1">
-              <a:off x="6366905" y="877642"/>
+              <a:off x="2813172" y="3252506"/>
               <a:ext cx="603733" cy="220311"/>
             </a:xfrm>
             <a:prstGeom prst="straightConnector1">
@@ -4504,173 +4801,18 @@
             </a:fontRef>
           </p:style>
         </p:cxnSp>
-        <p:pic>
-          <p:nvPicPr>
-            <p:cNvPr id="78" name="Picture 77"/>
-            <p:cNvPicPr>
-              <a:picLocks noChangeAspect="1"/>
-            </p:cNvPicPr>
-            <p:nvPr/>
-          </p:nvPicPr>
-          <p:blipFill>
-            <a:blip r:embed="rId3"/>
-            <a:stretch>
-              <a:fillRect/>
-            </a:stretch>
-          </p:blipFill>
-          <p:spPr>
-            <a:xfrm>
-              <a:off x="9158585" y="135734"/>
-              <a:ext cx="628650" cy="647700"/>
-            </a:xfrm>
-            <a:prstGeom prst="rect">
-              <a:avLst/>
-            </a:prstGeom>
-          </p:spPr>
-        </p:pic>
-        <p:pic>
-          <p:nvPicPr>
-            <p:cNvPr id="79" name="Picture 78"/>
-            <p:cNvPicPr>
-              <a:picLocks noChangeAspect="1"/>
-            </p:cNvPicPr>
-            <p:nvPr/>
-          </p:nvPicPr>
-          <p:blipFill rotWithShape="1">
-            <a:blip r:embed="rId4"/>
-            <a:srcRect r="12639"/>
-            <a:stretch/>
-          </p:blipFill>
-          <p:spPr>
-            <a:xfrm>
-              <a:off x="9848821" y="757030"/>
-              <a:ext cx="424376" cy="790575"/>
-            </a:xfrm>
-            <a:prstGeom prst="rect">
-              <a:avLst/>
-            </a:prstGeom>
-          </p:spPr>
-        </p:pic>
-        <p:sp>
-          <p:nvSpPr>
-            <p:cNvPr id="80" name="TextBox 79"/>
-            <p:cNvSpPr txBox="1"/>
-            <p:nvPr/>
-          </p:nvSpPr>
-          <p:spPr>
-            <a:xfrm>
-              <a:off x="8946025" y="1226184"/>
-              <a:ext cx="1069524" cy="246221"/>
-            </a:xfrm>
-            <a:prstGeom prst="rect">
-              <a:avLst/>
-            </a:prstGeom>
-            <a:noFill/>
-          </p:spPr>
-          <p:txBody>
-            <a:bodyPr wrap="none" rtlCol="0">
-              <a:spAutoFit/>
-            </a:bodyPr>
-            <a:lstStyle/>
-            <a:p>
-              <a:r>
-                <a:rPr lang="de-CH" sz="1000" dirty="0" err="1" smtClean="0">
-                  <a:solidFill>
-                    <a:srgbClr val="FF0000"/>
-                  </a:solidFill>
-                </a:rPr>
-                <a:t>Predicted</a:t>
-              </a:r>
-              <a:r>
-                <a:rPr lang="de-CH" sz="1000" dirty="0" smtClean="0">
-                  <a:solidFill>
-                    <a:srgbClr val="FF0000"/>
-                  </a:solidFill>
-                </a:rPr>
-                <a:t> </a:t>
-              </a:r>
-              <a:r>
-                <a:rPr lang="de-CH" sz="1000" dirty="0" err="1" smtClean="0">
-                  <a:solidFill>
-                    <a:srgbClr val="FF0000"/>
-                  </a:solidFill>
-                </a:rPr>
-                <a:t>output</a:t>
-              </a:r>
-              <a:endParaRPr lang="en-US" sz="1000" dirty="0">
-                <a:solidFill>
-                  <a:srgbClr val="FF0000"/>
-                </a:solidFill>
-              </a:endParaRPr>
-            </a:p>
-          </p:txBody>
-        </p:sp>
-        <p:sp>
-          <p:nvSpPr>
-            <p:cNvPr id="81" name="TextBox 80"/>
-            <p:cNvSpPr txBox="1"/>
-            <p:nvPr/>
-          </p:nvSpPr>
-          <p:spPr>
-            <a:xfrm>
-              <a:off x="8377278" y="127214"/>
-              <a:ext cx="873957" cy="246221"/>
-            </a:xfrm>
-            <a:prstGeom prst="rect">
-              <a:avLst/>
-            </a:prstGeom>
-            <a:noFill/>
-          </p:spPr>
-          <p:txBody>
-            <a:bodyPr wrap="none" rtlCol="0">
-              <a:spAutoFit/>
-            </a:bodyPr>
-            <a:lstStyle/>
-            <a:p>
-              <a:r>
-                <a:rPr lang="de-CH" sz="1000" dirty="0" err="1" smtClean="0">
-                  <a:solidFill>
-                    <a:schemeClr val="accent6"/>
-                  </a:solidFill>
-                </a:rPr>
-                <a:t>Ground</a:t>
-              </a:r>
-              <a:r>
-                <a:rPr lang="de-CH" sz="1000" dirty="0" smtClean="0">
-                  <a:solidFill>
-                    <a:schemeClr val="accent6"/>
-                  </a:solidFill>
-                </a:rPr>
-                <a:t> </a:t>
-              </a:r>
-              <a:r>
-                <a:rPr lang="de-CH" sz="1000" dirty="0" err="1" smtClean="0">
-                  <a:solidFill>
-                    <a:schemeClr val="accent6"/>
-                  </a:solidFill>
-                </a:rPr>
-                <a:t>truth</a:t>
-              </a:r>
-              <a:endParaRPr lang="en-US" sz="1000" dirty="0">
-                <a:solidFill>
-                  <a:schemeClr val="accent6"/>
-                </a:solidFill>
-              </a:endParaRPr>
-            </a:p>
-          </p:txBody>
-        </p:sp>
         <p:cxnSp>
           <p:nvCxnSpPr>
-            <p:cNvPr id="82" name="Straight Arrow Connector 81"/>
+            <p:cNvPr id="113" name="Straight Arrow Connector 112"/>
             <p:cNvCxnSpPr>
-              <a:endCxn id="83" idx="2"/>
+              <a:endCxn id="98" idx="2"/>
             </p:cNvCxnSpPr>
             <p:nvPr/>
           </p:nvCxnSpPr>
           <p:spPr>
-            <a:xfrm>
-              <a:off x="9848822" y="527706"/>
-              <a:ext cx="528562" cy="89240"/>
+            <a:xfrm flipH="1" flipV="1">
+              <a:off x="3356916" y="5173706"/>
+              <a:ext cx="1" cy="240267"/>
             </a:xfrm>
             <a:prstGeom prst="straightConnector1">
               <a:avLst/>
@@ -4694,152 +4836,42 @@
             </a:fontRef>
           </p:style>
         </p:cxnSp>
-        <p:sp>
-          <p:nvSpPr>
-            <p:cNvPr id="83" name="Oval 82"/>
-            <p:cNvSpPr/>
-            <p:nvPr/>
-          </p:nvSpPr>
-          <p:spPr>
-            <a:xfrm>
-              <a:off x="10377384" y="435132"/>
-              <a:ext cx="1022501" cy="363627"/>
-            </a:xfrm>
-            <a:prstGeom prst="ellipse">
-              <a:avLst/>
-            </a:prstGeom>
-          </p:spPr>
-          <p:style>
-            <a:lnRef idx="2">
-              <a:schemeClr val="accent1">
-                <a:shade val="50000"/>
-              </a:schemeClr>
-            </a:lnRef>
-            <a:fillRef idx="1">
-              <a:schemeClr val="accent1"/>
-            </a:fillRef>
-            <a:effectRef idx="0">
-              <a:schemeClr val="accent1"/>
-            </a:effectRef>
-            <a:fontRef idx="minor">
-              <a:schemeClr val="lt1"/>
-            </a:fontRef>
-          </p:style>
-          <p:txBody>
-            <a:bodyPr rtlCol="0" anchor="ctr"/>
-            <a:lstStyle/>
-            <a:p>
-              <a:pPr algn="ctr"/>
-              <a:r>
-                <a:rPr lang="de-CH" dirty="0" smtClean="0"/>
-                <a:t>Loss</a:t>
-              </a:r>
-              <a:endParaRPr lang="en-US" dirty="0"/>
-            </a:p>
-          </p:txBody>
-        </p:sp>
-        <p:cxnSp>
-          <p:nvCxnSpPr>
-            <p:cNvPr id="84" name="Straight Arrow Connector 83"/>
-            <p:cNvCxnSpPr/>
-            <p:nvPr/>
-          </p:nvCxnSpPr>
-          <p:spPr>
-            <a:xfrm flipV="1">
-              <a:off x="10105916" y="771455"/>
-              <a:ext cx="603733" cy="220311"/>
-            </a:xfrm>
-            <a:prstGeom prst="straightConnector1">
-              <a:avLst/>
-            </a:prstGeom>
-            <a:ln>
-              <a:tailEnd type="triangle"/>
-            </a:ln>
-          </p:spPr>
-          <p:style>
-            <a:lnRef idx="1">
-              <a:schemeClr val="accent1"/>
-            </a:lnRef>
-            <a:fillRef idx="0">
-              <a:schemeClr val="accent1"/>
-            </a:fillRef>
-            <a:effectRef idx="0">
-              <a:schemeClr val="accent1"/>
-            </a:effectRef>
-            <a:fontRef idx="minor">
-              <a:schemeClr val="tx1"/>
-            </a:fontRef>
-          </p:style>
-        </p:cxnSp>
-        <p:cxnSp>
-          <p:nvCxnSpPr>
-            <p:cNvPr id="85" name="Straight Arrow Connector 84"/>
-            <p:cNvCxnSpPr>
-              <a:endCxn id="72" idx="3"/>
-            </p:cNvCxnSpPr>
-            <p:nvPr/>
-          </p:nvCxnSpPr>
-          <p:spPr>
-            <a:xfrm flipH="1" flipV="1">
-              <a:off x="6534186" y="1258505"/>
-              <a:ext cx="485347" cy="698570"/>
-            </a:xfrm>
-            <a:prstGeom prst="straightConnector1">
-              <a:avLst/>
-            </a:prstGeom>
-            <a:ln>
-              <a:tailEnd type="triangle"/>
-            </a:ln>
-          </p:spPr>
-          <p:style>
-            <a:lnRef idx="1">
-              <a:schemeClr val="accent1"/>
-            </a:lnRef>
-            <a:fillRef idx="0">
-              <a:schemeClr val="accent1"/>
-            </a:fillRef>
-            <a:effectRef idx="0">
-              <a:schemeClr val="accent1"/>
-            </a:effectRef>
-            <a:fontRef idx="minor">
-              <a:schemeClr val="tx1"/>
-            </a:fontRef>
-          </p:style>
-        </p:cxnSp>
-        <p:cxnSp>
-          <p:nvCxnSpPr>
-            <p:cNvPr id="87" name="Straight Arrow Connector 86"/>
-            <p:cNvCxnSpPr/>
-            <p:nvPr/>
-          </p:nvCxnSpPr>
-          <p:spPr>
-            <a:xfrm flipH="1" flipV="1">
-              <a:off x="10248750" y="1170430"/>
-              <a:ext cx="485347" cy="698570"/>
-            </a:xfrm>
-            <a:prstGeom prst="straightConnector1">
-              <a:avLst/>
-            </a:prstGeom>
-            <a:ln>
-              <a:tailEnd type="triangle"/>
-            </a:ln>
-          </p:spPr>
-          <p:style>
-            <a:lnRef idx="1">
-              <a:schemeClr val="accent1"/>
-            </a:lnRef>
-            <a:fillRef idx="0">
-              <a:schemeClr val="accent1"/>
-            </a:fillRef>
-            <a:effectRef idx="0">
-              <a:schemeClr val="accent1"/>
-            </a:effectRef>
-            <a:fontRef idx="minor">
-              <a:schemeClr val="tx1"/>
-            </a:fontRef>
-          </p:style>
-        </p:cxnSp>
       </p:grpSp>
+      <p:cxnSp>
+        <p:nvCxnSpPr>
+          <p:cNvPr id="114" name="Straight Arrow Connector 113"/>
+          <p:cNvCxnSpPr>
+            <a:endCxn id="98" idx="1"/>
+          </p:cNvCxnSpPr>
+          <p:nvPr/>
+        </p:nvCxnSpPr>
+        <p:spPr>
+          <a:xfrm flipV="1">
+            <a:off x="5902747" y="5205189"/>
+            <a:ext cx="653178" cy="6324"/>
+          </a:xfrm>
+          <a:prstGeom prst="straightConnector1">
+            <a:avLst/>
+          </a:prstGeom>
+          <a:ln>
+            <a:tailEnd type="triangle"/>
+          </a:ln>
+        </p:spPr>
+        <p:style>
+          <a:lnRef idx="1">
+            <a:schemeClr val="accent1"/>
+          </a:lnRef>
+          <a:fillRef idx="0">
+            <a:schemeClr val="accent1"/>
+          </a:fillRef>
+          <a:effectRef idx="0">
+            <a:schemeClr val="accent1"/>
+          </a:effectRef>
+          <a:fontRef idx="minor">
+            <a:schemeClr val="tx1"/>
+          </a:fontRef>
+        </p:style>
+      </p:cxnSp>
     </p:spTree>
     <p:extLst>
       <p:ext uri="{BB962C8B-B14F-4D97-AF65-F5344CB8AC3E}">
@@ -6636,6 +6668,1800 @@
     <p:extLst>
       <p:ext uri="{BB962C8B-B14F-4D97-AF65-F5344CB8AC3E}">
         <p14:creationId xmlns:p14="http://schemas.microsoft.com/office/powerpoint/2010/main" val="3658348467"/>
+      </p:ext>
+    </p:extLst>
+  </p:cSld>
+  <p:clrMapOvr>
+    <a:masterClrMapping/>
+  </p:clrMapOvr>
+  <p:timing>
+    <p:tnLst>
+      <p:par>
+        <p:cTn id="1" dur="indefinite" restart="never" nodeType="tmRoot"/>
+      </p:par>
+    </p:tnLst>
+  </p:timing>
+</p:sld>
+</file>
+
+<file path=ppt/slides/slide4.xml><?xml version="1.0" encoding="utf-8"?>
+<p:sld xmlns:a="http://schemas.openxmlformats.org/drawingml/2006/main" xmlns:r="http://schemas.openxmlformats.org/officeDocument/2006/relationships" xmlns:p="http://schemas.openxmlformats.org/presentationml/2006/main">
+  <p:cSld>
+    <p:spTree>
+      <p:nvGrpSpPr>
+        <p:cNvPr id="1" name=""/>
+        <p:cNvGrpSpPr/>
+        <p:nvPr/>
+      </p:nvGrpSpPr>
+      <p:grpSpPr>
+        <a:xfrm>
+          <a:off x="0" y="0"/>
+          <a:ext cx="0" cy="0"/>
+          <a:chOff x="0" y="0"/>
+          <a:chExt cx="0" cy="0"/>
+        </a:xfrm>
+      </p:grpSpPr>
+      <p:grpSp>
+        <p:nvGrpSpPr>
+          <p:cNvPr id="4" name="Group 3"/>
+          <p:cNvGrpSpPr/>
+          <p:nvPr/>
+        </p:nvGrpSpPr>
+        <p:grpSpPr>
+          <a:xfrm>
+            <a:off x="3668079" y="3984133"/>
+            <a:ext cx="2324923" cy="2502058"/>
+            <a:chOff x="1958542" y="3426590"/>
+            <a:chExt cx="2453348" cy="2954599"/>
+          </a:xfrm>
+        </p:grpSpPr>
+        <p:sp>
+          <p:nvSpPr>
+            <p:cNvPr id="5" name="Rectangle 4"/>
+            <p:cNvSpPr/>
+            <p:nvPr/>
+          </p:nvSpPr>
+          <p:spPr>
+            <a:xfrm>
+              <a:off x="2743014" y="4811271"/>
+              <a:ext cx="1227804" cy="362435"/>
+            </a:xfrm>
+            <a:prstGeom prst="rect">
+              <a:avLst/>
+            </a:prstGeom>
+          </p:spPr>
+          <p:style>
+            <a:lnRef idx="2">
+              <a:schemeClr val="accent1">
+                <a:shade val="50000"/>
+              </a:schemeClr>
+            </a:lnRef>
+            <a:fillRef idx="1">
+              <a:schemeClr val="accent1"/>
+            </a:fillRef>
+            <a:effectRef idx="0">
+              <a:schemeClr val="accent1"/>
+            </a:effectRef>
+            <a:fontRef idx="minor">
+              <a:schemeClr val="lt1"/>
+            </a:fontRef>
+          </p:style>
+          <p:txBody>
+            <a:bodyPr rtlCol="0" anchor="ctr"/>
+            <a:lstStyle/>
+            <a:p>
+              <a:pPr algn="ctr"/>
+              <a:r>
+                <a:rPr lang="de-CH" sz="600" dirty="0" smtClean="0"/>
+                <a:t>LSTM </a:t>
+              </a:r>
+              <a:r>
+                <a:rPr lang="de-CH" sz="600" dirty="0" err="1" smtClean="0"/>
+                <a:t>architecture</a:t>
+              </a:r>
+              <a:endParaRPr lang="de-CH" sz="600" dirty="0" smtClean="0"/>
+            </a:p>
+            <a:p>
+              <a:pPr algn="ctr"/>
+              <a:r>
+                <a:rPr lang="de-CH" sz="600" dirty="0" smtClean="0"/>
+                <a:t>(1024 Hidden </a:t>
+              </a:r>
+              <a:r>
+                <a:rPr lang="de-CH" sz="600" dirty="0" err="1" smtClean="0"/>
+                <a:t>states</a:t>
+              </a:r>
+              <a:r>
+                <a:rPr lang="de-CH" sz="600" dirty="0" smtClean="0"/>
+                <a:t>)</a:t>
+              </a:r>
+              <a:endParaRPr lang="en-US" sz="600" dirty="0"/>
+            </a:p>
+          </p:txBody>
+        </p:sp>
+        <p:cxnSp>
+          <p:nvCxnSpPr>
+            <p:cNvPr id="6" name="Straight Arrow Connector 5"/>
+            <p:cNvCxnSpPr/>
+            <p:nvPr/>
+          </p:nvCxnSpPr>
+          <p:spPr>
+            <a:xfrm flipH="1" flipV="1">
+              <a:off x="3356916" y="4575973"/>
+              <a:ext cx="10115" cy="235299"/>
+            </a:xfrm>
+            <a:prstGeom prst="straightConnector1">
+              <a:avLst/>
+            </a:prstGeom>
+            <a:ln>
+              <a:tailEnd type="triangle"/>
+            </a:ln>
+          </p:spPr>
+          <p:style>
+            <a:lnRef idx="1">
+              <a:schemeClr val="accent1"/>
+            </a:lnRef>
+            <a:fillRef idx="0">
+              <a:schemeClr val="accent1"/>
+            </a:fillRef>
+            <a:effectRef idx="0">
+              <a:schemeClr val="accent1"/>
+            </a:effectRef>
+            <a:fontRef idx="minor">
+              <a:schemeClr val="tx1"/>
+            </a:fontRef>
+          </p:style>
+        </p:cxnSp>
+        <p:sp>
+          <p:nvSpPr>
+            <p:cNvPr id="7" name="Oval 6"/>
+            <p:cNvSpPr/>
+            <p:nvPr/>
+          </p:nvSpPr>
+          <p:spPr>
+            <a:xfrm>
+              <a:off x="2978590" y="5413973"/>
+              <a:ext cx="802394" cy="252765"/>
+            </a:xfrm>
+            <a:prstGeom prst="ellipse">
+              <a:avLst/>
+            </a:prstGeom>
+          </p:spPr>
+          <p:style>
+            <a:lnRef idx="2">
+              <a:schemeClr val="accent1">
+                <a:shade val="50000"/>
+              </a:schemeClr>
+            </a:lnRef>
+            <a:fillRef idx="1">
+              <a:schemeClr val="accent1"/>
+            </a:fillRef>
+            <a:effectRef idx="0">
+              <a:schemeClr val="accent1"/>
+            </a:effectRef>
+            <a:fontRef idx="minor">
+              <a:schemeClr val="lt1"/>
+            </a:fontRef>
+          </p:style>
+          <p:txBody>
+            <a:bodyPr rtlCol="0" anchor="ctr"/>
+            <a:lstStyle/>
+            <a:p>
+              <a:pPr algn="ctr"/>
+              <a:r>
+                <a:rPr lang="de-CH" sz="600" dirty="0" smtClean="0"/>
+                <a:t>Input</a:t>
+              </a:r>
+              <a:endParaRPr lang="en-US" sz="600" dirty="0"/>
+            </a:p>
+          </p:txBody>
+        </p:sp>
+        <p:sp>
+          <p:nvSpPr>
+            <p:cNvPr id="8" name="Oval 7"/>
+            <p:cNvSpPr/>
+            <p:nvPr/>
+          </p:nvSpPr>
+          <p:spPr>
+            <a:xfrm>
+              <a:off x="2864626" y="4271908"/>
+              <a:ext cx="1034101" cy="315856"/>
+            </a:xfrm>
+            <a:prstGeom prst="ellipse">
+              <a:avLst/>
+            </a:prstGeom>
+          </p:spPr>
+          <p:style>
+            <a:lnRef idx="2">
+              <a:schemeClr val="accent1">
+                <a:shade val="50000"/>
+              </a:schemeClr>
+            </a:lnRef>
+            <a:fillRef idx="1">
+              <a:schemeClr val="accent1"/>
+            </a:fillRef>
+            <a:effectRef idx="0">
+              <a:schemeClr val="accent1"/>
+            </a:effectRef>
+            <a:fontRef idx="minor">
+              <a:schemeClr val="lt1"/>
+            </a:fontRef>
+          </p:style>
+          <p:txBody>
+            <a:bodyPr rtlCol="0" anchor="ctr"/>
+            <a:lstStyle/>
+            <a:p>
+              <a:pPr algn="ctr"/>
+              <a:r>
+                <a:rPr lang="de-CH" sz="600" dirty="0" smtClean="0"/>
+                <a:t>Output t-1</a:t>
+              </a:r>
+              <a:endParaRPr lang="en-US" sz="600" dirty="0"/>
+            </a:p>
+          </p:txBody>
+        </p:sp>
+        <p:cxnSp>
+          <p:nvCxnSpPr>
+            <p:cNvPr id="9" name="Straight Arrow Connector 8"/>
+            <p:cNvCxnSpPr/>
+            <p:nvPr/>
+          </p:nvCxnSpPr>
+          <p:spPr>
+            <a:xfrm flipV="1">
+              <a:off x="3970817" y="4992488"/>
+              <a:ext cx="238067" cy="1"/>
+            </a:xfrm>
+            <a:prstGeom prst="straightConnector1">
+              <a:avLst/>
+            </a:prstGeom>
+            <a:ln>
+              <a:tailEnd type="triangle"/>
+            </a:ln>
+          </p:spPr>
+          <p:style>
+            <a:lnRef idx="1">
+              <a:schemeClr val="accent1"/>
+            </a:lnRef>
+            <a:fillRef idx="0">
+              <a:schemeClr val="accent1"/>
+            </a:fillRef>
+            <a:effectRef idx="0">
+              <a:schemeClr val="accent1"/>
+            </a:effectRef>
+            <a:fontRef idx="minor">
+              <a:schemeClr val="tx1"/>
+            </a:fontRef>
+          </p:style>
+        </p:cxnSp>
+        <p:pic>
+          <p:nvPicPr>
+            <p:cNvPr id="10" name="Picture 9"/>
+            <p:cNvPicPr>
+              <a:picLocks noChangeAspect="1"/>
+            </p:cNvPicPr>
+            <p:nvPr/>
+          </p:nvPicPr>
+          <p:blipFill>
+            <a:blip r:embed="rId2"/>
+            <a:stretch>
+              <a:fillRect/>
+            </a:stretch>
+          </p:blipFill>
+          <p:spPr>
+            <a:xfrm>
+              <a:off x="3173439" y="5752539"/>
+              <a:ext cx="390525" cy="628650"/>
+            </a:xfrm>
+            <a:prstGeom prst="rect">
+              <a:avLst/>
+            </a:prstGeom>
+          </p:spPr>
+        </p:pic>
+        <p:pic>
+          <p:nvPicPr>
+            <p:cNvPr id="12" name="Picture 11"/>
+            <p:cNvPicPr>
+              <a:picLocks noChangeAspect="1"/>
+            </p:cNvPicPr>
+            <p:nvPr/>
+          </p:nvPicPr>
+          <p:blipFill rotWithShape="1">
+            <a:blip r:embed="rId3"/>
+            <a:srcRect r="12639"/>
+            <a:stretch/>
+          </p:blipFill>
+          <p:spPr>
+            <a:xfrm>
+              <a:off x="2730654" y="3426590"/>
+              <a:ext cx="298839" cy="556711"/>
+            </a:xfrm>
+            <a:prstGeom prst="rect">
+              <a:avLst/>
+            </a:prstGeom>
+          </p:spPr>
+        </p:pic>
+        <p:cxnSp>
+          <p:nvCxnSpPr>
+            <p:cNvPr id="13" name="Straight Arrow Connector 12"/>
+            <p:cNvCxnSpPr/>
+            <p:nvPr/>
+          </p:nvCxnSpPr>
+          <p:spPr>
+            <a:xfrm flipH="1" flipV="1">
+              <a:off x="2970180" y="4019935"/>
+              <a:ext cx="338337" cy="215339"/>
+            </a:xfrm>
+            <a:prstGeom prst="straightConnector1">
+              <a:avLst/>
+            </a:prstGeom>
+            <a:ln>
+              <a:tailEnd type="triangle"/>
+            </a:ln>
+          </p:spPr>
+          <p:style>
+            <a:lnRef idx="1">
+              <a:schemeClr val="accent1"/>
+            </a:lnRef>
+            <a:fillRef idx="0">
+              <a:schemeClr val="accent1"/>
+            </a:fillRef>
+            <a:effectRef idx="0">
+              <a:schemeClr val="accent1"/>
+            </a:effectRef>
+            <a:fontRef idx="minor">
+              <a:schemeClr val="tx1"/>
+            </a:fontRef>
+          </p:style>
+        </p:cxnSp>
+        <p:sp>
+          <p:nvSpPr>
+            <p:cNvPr id="14" name="TextBox 13"/>
+            <p:cNvSpPr txBox="1"/>
+            <p:nvPr/>
+          </p:nvSpPr>
+          <p:spPr>
+            <a:xfrm>
+              <a:off x="1958542" y="3867885"/>
+              <a:ext cx="753078" cy="218066"/>
+            </a:xfrm>
+            <a:prstGeom prst="rect">
+              <a:avLst/>
+            </a:prstGeom>
+            <a:noFill/>
+          </p:spPr>
+          <p:txBody>
+            <a:bodyPr wrap="none" rtlCol="0">
+              <a:spAutoFit/>
+            </a:bodyPr>
+            <a:lstStyle/>
+            <a:p>
+              <a:r>
+                <a:rPr lang="de-CH" sz="600" dirty="0" err="1" smtClean="0">
+                  <a:solidFill>
+                    <a:srgbClr val="FF0000"/>
+                  </a:solidFill>
+                </a:rPr>
+                <a:t>Predicted</a:t>
+              </a:r>
+              <a:r>
+                <a:rPr lang="de-CH" sz="600" dirty="0" smtClean="0">
+                  <a:solidFill>
+                    <a:srgbClr val="FF0000"/>
+                  </a:solidFill>
+                </a:rPr>
+                <a:t> </a:t>
+              </a:r>
+              <a:r>
+                <a:rPr lang="de-CH" sz="600" dirty="0" err="1" smtClean="0">
+                  <a:solidFill>
+                    <a:srgbClr val="FF0000"/>
+                  </a:solidFill>
+                </a:rPr>
+                <a:t>output</a:t>
+              </a:r>
+              <a:endParaRPr lang="en-US" sz="600" dirty="0">
+                <a:solidFill>
+                  <a:srgbClr val="FF0000"/>
+                </a:solidFill>
+              </a:endParaRPr>
+            </a:p>
+          </p:txBody>
+        </p:sp>
+        <p:sp>
+          <p:nvSpPr>
+            <p:cNvPr id="19" name="TextBox 18"/>
+            <p:cNvSpPr txBox="1"/>
+            <p:nvPr/>
+          </p:nvSpPr>
+          <p:spPr>
+            <a:xfrm>
+              <a:off x="4046176" y="5130875"/>
+              <a:ext cx="365714" cy="218066"/>
+            </a:xfrm>
+            <a:prstGeom prst="rect">
+              <a:avLst/>
+            </a:prstGeom>
+            <a:noFill/>
+            <a:ln>
+              <a:solidFill>
+                <a:schemeClr val="tx2"/>
+              </a:solidFill>
+            </a:ln>
+          </p:spPr>
+          <p:txBody>
+            <a:bodyPr wrap="none" rtlCol="0">
+              <a:spAutoFit/>
+            </a:bodyPr>
+            <a:lstStyle/>
+            <a:p>
+              <a:r>
+                <a:rPr lang="de-CH" sz="600" dirty="0" smtClean="0">
+                  <a:solidFill>
+                    <a:srgbClr val="FF0000"/>
+                  </a:solidFill>
+                </a:rPr>
+                <a:t>State</a:t>
+              </a:r>
+              <a:endParaRPr lang="en-US" sz="600" dirty="0">
+                <a:solidFill>
+                  <a:srgbClr val="FF0000"/>
+                </a:solidFill>
+              </a:endParaRPr>
+            </a:p>
+          </p:txBody>
+        </p:sp>
+        <p:cxnSp>
+          <p:nvCxnSpPr>
+            <p:cNvPr id="20" name="Straight Arrow Connector 19"/>
+            <p:cNvCxnSpPr>
+              <a:endCxn id="5" idx="2"/>
+            </p:cNvCxnSpPr>
+            <p:nvPr/>
+          </p:nvCxnSpPr>
+          <p:spPr>
+            <a:xfrm flipH="1" flipV="1">
+              <a:off x="3356916" y="5173706"/>
+              <a:ext cx="1" cy="240267"/>
+            </a:xfrm>
+            <a:prstGeom prst="straightConnector1">
+              <a:avLst/>
+            </a:prstGeom>
+            <a:ln>
+              <a:tailEnd type="triangle"/>
+            </a:ln>
+          </p:spPr>
+          <p:style>
+            <a:lnRef idx="1">
+              <a:schemeClr val="accent1"/>
+            </a:lnRef>
+            <a:fillRef idx="0">
+              <a:schemeClr val="accent1"/>
+            </a:fillRef>
+            <a:effectRef idx="0">
+              <a:schemeClr val="accent1"/>
+            </a:effectRef>
+            <a:fontRef idx="minor">
+              <a:schemeClr val="tx1"/>
+            </a:fontRef>
+          </p:style>
+        </p:cxnSp>
+      </p:grpSp>
+      <p:grpSp>
+        <p:nvGrpSpPr>
+          <p:cNvPr id="37" name="Group 36"/>
+          <p:cNvGrpSpPr/>
+          <p:nvPr/>
+        </p:nvGrpSpPr>
+        <p:grpSpPr>
+          <a:xfrm>
+            <a:off x="5892903" y="3996164"/>
+            <a:ext cx="1826553" cy="2385028"/>
+            <a:chOff x="2043368" y="3564788"/>
+            <a:chExt cx="1927450" cy="2816401"/>
+          </a:xfrm>
+        </p:grpSpPr>
+        <p:sp>
+          <p:nvSpPr>
+            <p:cNvPr id="38" name="Rectangle 37"/>
+            <p:cNvSpPr/>
+            <p:nvPr/>
+          </p:nvSpPr>
+          <p:spPr>
+            <a:xfrm>
+              <a:off x="2743014" y="4936709"/>
+              <a:ext cx="1227804" cy="362435"/>
+            </a:xfrm>
+            <a:prstGeom prst="rect">
+              <a:avLst/>
+            </a:prstGeom>
+          </p:spPr>
+          <p:style>
+            <a:lnRef idx="2">
+              <a:schemeClr val="accent1">
+                <a:shade val="50000"/>
+              </a:schemeClr>
+            </a:lnRef>
+            <a:fillRef idx="1">
+              <a:schemeClr val="accent1"/>
+            </a:fillRef>
+            <a:effectRef idx="0">
+              <a:schemeClr val="accent1"/>
+            </a:effectRef>
+            <a:fontRef idx="minor">
+              <a:schemeClr val="lt1"/>
+            </a:fontRef>
+          </p:style>
+          <p:txBody>
+            <a:bodyPr rtlCol="0" anchor="ctr"/>
+            <a:lstStyle/>
+            <a:p>
+              <a:pPr algn="ctr"/>
+              <a:r>
+                <a:rPr lang="de-CH" sz="600" dirty="0" smtClean="0"/>
+                <a:t>LSTM </a:t>
+              </a:r>
+              <a:r>
+                <a:rPr lang="de-CH" sz="600" dirty="0" err="1" smtClean="0"/>
+                <a:t>architecture</a:t>
+              </a:r>
+              <a:endParaRPr lang="de-CH" sz="600" dirty="0" smtClean="0"/>
+            </a:p>
+            <a:p>
+              <a:pPr algn="ctr"/>
+              <a:r>
+                <a:rPr lang="de-CH" sz="600" dirty="0" smtClean="0"/>
+                <a:t>(1024 Hidden </a:t>
+              </a:r>
+              <a:r>
+                <a:rPr lang="de-CH" sz="600" dirty="0" err="1" smtClean="0"/>
+                <a:t>states</a:t>
+              </a:r>
+              <a:r>
+                <a:rPr lang="de-CH" sz="600" dirty="0" smtClean="0"/>
+                <a:t>)</a:t>
+              </a:r>
+              <a:endParaRPr lang="en-US" sz="600" dirty="0"/>
+            </a:p>
+          </p:txBody>
+        </p:sp>
+        <p:cxnSp>
+          <p:nvCxnSpPr>
+            <p:cNvPr id="39" name="Straight Arrow Connector 38"/>
+            <p:cNvCxnSpPr>
+              <a:stCxn id="38" idx="0"/>
+            </p:cNvCxnSpPr>
+            <p:nvPr/>
+          </p:nvCxnSpPr>
+          <p:spPr>
+            <a:xfrm flipV="1">
+              <a:off x="3356916" y="4575973"/>
+              <a:ext cx="0" cy="360736"/>
+            </a:xfrm>
+            <a:prstGeom prst="straightConnector1">
+              <a:avLst/>
+            </a:prstGeom>
+            <a:ln>
+              <a:tailEnd type="triangle"/>
+            </a:ln>
+          </p:spPr>
+          <p:style>
+            <a:lnRef idx="1">
+              <a:schemeClr val="accent1"/>
+            </a:lnRef>
+            <a:fillRef idx="0">
+              <a:schemeClr val="accent1"/>
+            </a:fillRef>
+            <a:effectRef idx="0">
+              <a:schemeClr val="accent1"/>
+            </a:effectRef>
+            <a:fontRef idx="minor">
+              <a:schemeClr val="tx1"/>
+            </a:fontRef>
+          </p:style>
+        </p:cxnSp>
+        <p:sp>
+          <p:nvSpPr>
+            <p:cNvPr id="40" name="Oval 39"/>
+            <p:cNvSpPr/>
+            <p:nvPr/>
+          </p:nvSpPr>
+          <p:spPr>
+            <a:xfrm>
+              <a:off x="2978590" y="5528048"/>
+              <a:ext cx="802394" cy="252765"/>
+            </a:xfrm>
+            <a:prstGeom prst="ellipse">
+              <a:avLst/>
+            </a:prstGeom>
+          </p:spPr>
+          <p:style>
+            <a:lnRef idx="2">
+              <a:schemeClr val="accent1">
+                <a:shade val="50000"/>
+              </a:schemeClr>
+            </a:lnRef>
+            <a:fillRef idx="1">
+              <a:schemeClr val="accent1"/>
+            </a:fillRef>
+            <a:effectRef idx="0">
+              <a:schemeClr val="accent1"/>
+            </a:effectRef>
+            <a:fontRef idx="minor">
+              <a:schemeClr val="lt1"/>
+            </a:fontRef>
+          </p:style>
+          <p:txBody>
+            <a:bodyPr rtlCol="0" anchor="ctr"/>
+            <a:lstStyle/>
+            <a:p>
+              <a:pPr algn="ctr"/>
+              <a:r>
+                <a:rPr lang="de-CH" sz="600" dirty="0" smtClean="0"/>
+                <a:t>Input</a:t>
+              </a:r>
+              <a:endParaRPr lang="en-US" sz="600" dirty="0"/>
+            </a:p>
+          </p:txBody>
+        </p:sp>
+        <p:sp>
+          <p:nvSpPr>
+            <p:cNvPr id="41" name="Oval 40"/>
+            <p:cNvSpPr/>
+            <p:nvPr/>
+          </p:nvSpPr>
+          <p:spPr>
+            <a:xfrm>
+              <a:off x="2890450" y="4345736"/>
+              <a:ext cx="1008279" cy="242027"/>
+            </a:xfrm>
+            <a:prstGeom prst="ellipse">
+              <a:avLst/>
+            </a:prstGeom>
+          </p:spPr>
+          <p:style>
+            <a:lnRef idx="2">
+              <a:schemeClr val="accent1">
+                <a:shade val="50000"/>
+              </a:schemeClr>
+            </a:lnRef>
+            <a:fillRef idx="1">
+              <a:schemeClr val="accent1"/>
+            </a:fillRef>
+            <a:effectRef idx="0">
+              <a:schemeClr val="accent1"/>
+            </a:effectRef>
+            <a:fontRef idx="minor">
+              <a:schemeClr val="lt1"/>
+            </a:fontRef>
+          </p:style>
+          <p:txBody>
+            <a:bodyPr rtlCol="0" anchor="ctr"/>
+            <a:lstStyle/>
+            <a:p>
+              <a:pPr algn="ctr"/>
+              <a:r>
+                <a:rPr lang="de-CH" sz="600" dirty="0" smtClean="0"/>
+                <a:t>Output t-1</a:t>
+              </a:r>
+              <a:endParaRPr lang="en-US" sz="600" dirty="0"/>
+            </a:p>
+          </p:txBody>
+        </p:sp>
+        <p:pic>
+          <p:nvPicPr>
+            <p:cNvPr id="42" name="Picture 41"/>
+            <p:cNvPicPr>
+              <a:picLocks noChangeAspect="1"/>
+            </p:cNvPicPr>
+            <p:nvPr/>
+          </p:nvPicPr>
+          <p:blipFill>
+            <a:blip r:embed="rId2"/>
+            <a:stretch>
+              <a:fillRect/>
+            </a:stretch>
+          </p:blipFill>
+          <p:spPr>
+            <a:xfrm>
+              <a:off x="3173439" y="5752539"/>
+              <a:ext cx="390525" cy="628650"/>
+            </a:xfrm>
+            <a:prstGeom prst="rect">
+              <a:avLst/>
+            </a:prstGeom>
+          </p:spPr>
+        </p:pic>
+        <p:pic>
+          <p:nvPicPr>
+            <p:cNvPr id="44" name="Picture 43"/>
+            <p:cNvPicPr>
+              <a:picLocks noChangeAspect="1"/>
+            </p:cNvPicPr>
+            <p:nvPr/>
+          </p:nvPicPr>
+          <p:blipFill rotWithShape="1">
+            <a:blip r:embed="rId3"/>
+            <a:srcRect r="12639"/>
+            <a:stretch/>
+          </p:blipFill>
+          <p:spPr>
+            <a:xfrm>
+              <a:off x="2888565" y="3564788"/>
+              <a:ext cx="298839" cy="556711"/>
+            </a:xfrm>
+            <a:prstGeom prst="rect">
+              <a:avLst/>
+            </a:prstGeom>
+          </p:spPr>
+        </p:pic>
+        <p:cxnSp>
+          <p:nvCxnSpPr>
+            <p:cNvPr id="45" name="Straight Arrow Connector 44"/>
+            <p:cNvCxnSpPr/>
+            <p:nvPr/>
+          </p:nvCxnSpPr>
+          <p:spPr>
+            <a:xfrm flipH="1" flipV="1">
+              <a:off x="2952924" y="4160755"/>
+              <a:ext cx="338337" cy="215339"/>
+            </a:xfrm>
+            <a:prstGeom prst="straightConnector1">
+              <a:avLst/>
+            </a:prstGeom>
+            <a:ln>
+              <a:tailEnd type="triangle"/>
+            </a:ln>
+          </p:spPr>
+          <p:style>
+            <a:lnRef idx="1">
+              <a:schemeClr val="accent1"/>
+            </a:lnRef>
+            <a:fillRef idx="0">
+              <a:schemeClr val="accent1"/>
+            </a:fillRef>
+            <a:effectRef idx="0">
+              <a:schemeClr val="accent1"/>
+            </a:effectRef>
+            <a:fontRef idx="minor">
+              <a:schemeClr val="tx1"/>
+            </a:fontRef>
+          </p:style>
+        </p:cxnSp>
+        <p:sp>
+          <p:nvSpPr>
+            <p:cNvPr id="46" name="TextBox 45"/>
+            <p:cNvSpPr txBox="1"/>
+            <p:nvPr/>
+          </p:nvSpPr>
+          <p:spPr>
+            <a:xfrm>
+              <a:off x="2043368" y="4018057"/>
+              <a:ext cx="753079" cy="218066"/>
+            </a:xfrm>
+            <a:prstGeom prst="rect">
+              <a:avLst/>
+            </a:prstGeom>
+            <a:noFill/>
+          </p:spPr>
+          <p:txBody>
+            <a:bodyPr wrap="none" rtlCol="0">
+              <a:spAutoFit/>
+            </a:bodyPr>
+            <a:lstStyle/>
+            <a:p>
+              <a:r>
+                <a:rPr lang="de-CH" sz="600" dirty="0" err="1" smtClean="0">
+                  <a:solidFill>
+                    <a:srgbClr val="FF0000"/>
+                  </a:solidFill>
+                </a:rPr>
+                <a:t>Predicted</a:t>
+              </a:r>
+              <a:r>
+                <a:rPr lang="de-CH" sz="600" dirty="0" smtClean="0">
+                  <a:solidFill>
+                    <a:srgbClr val="FF0000"/>
+                  </a:solidFill>
+                </a:rPr>
+                <a:t> </a:t>
+              </a:r>
+              <a:r>
+                <a:rPr lang="de-CH" sz="600" dirty="0" err="1" smtClean="0">
+                  <a:solidFill>
+                    <a:srgbClr val="FF0000"/>
+                  </a:solidFill>
+                </a:rPr>
+                <a:t>output</a:t>
+              </a:r>
+              <a:endParaRPr lang="en-US" sz="600" dirty="0">
+                <a:solidFill>
+                  <a:srgbClr val="FF0000"/>
+                </a:solidFill>
+              </a:endParaRPr>
+            </a:p>
+          </p:txBody>
+        </p:sp>
+        <p:cxnSp>
+          <p:nvCxnSpPr>
+            <p:cNvPr id="51" name="Straight Arrow Connector 50"/>
+            <p:cNvCxnSpPr>
+              <a:endCxn id="38" idx="2"/>
+            </p:cNvCxnSpPr>
+            <p:nvPr/>
+          </p:nvCxnSpPr>
+          <p:spPr>
+            <a:xfrm flipH="1" flipV="1">
+              <a:off x="3356916" y="5299144"/>
+              <a:ext cx="1" cy="240267"/>
+            </a:xfrm>
+            <a:prstGeom prst="straightConnector1">
+              <a:avLst/>
+            </a:prstGeom>
+            <a:ln>
+              <a:tailEnd type="triangle"/>
+            </a:ln>
+          </p:spPr>
+          <p:style>
+            <a:lnRef idx="1">
+              <a:schemeClr val="accent1"/>
+            </a:lnRef>
+            <a:fillRef idx="0">
+              <a:schemeClr val="accent1"/>
+            </a:fillRef>
+            <a:effectRef idx="0">
+              <a:schemeClr val="accent1"/>
+            </a:effectRef>
+            <a:fontRef idx="minor">
+              <a:schemeClr val="tx1"/>
+            </a:fontRef>
+          </p:style>
+        </p:cxnSp>
+      </p:grpSp>
+      <p:cxnSp>
+        <p:nvCxnSpPr>
+          <p:cNvPr id="52" name="Straight Arrow Connector 51"/>
+          <p:cNvCxnSpPr>
+            <a:endCxn id="38" idx="1"/>
+          </p:cNvCxnSpPr>
+          <p:nvPr/>
+        </p:nvCxnSpPr>
+        <p:spPr>
+          <a:xfrm>
+            <a:off x="6188334" y="5311412"/>
+            <a:ext cx="367591" cy="5"/>
+          </a:xfrm>
+          <a:prstGeom prst="straightConnector1">
+            <a:avLst/>
+          </a:prstGeom>
+          <a:ln>
+            <a:tailEnd type="triangle"/>
+          </a:ln>
+        </p:spPr>
+        <p:style>
+          <a:lnRef idx="1">
+            <a:schemeClr val="accent1"/>
+          </a:lnRef>
+          <a:fillRef idx="0">
+            <a:schemeClr val="accent1"/>
+          </a:fillRef>
+          <a:effectRef idx="0">
+            <a:schemeClr val="accent1"/>
+          </a:effectRef>
+          <a:fontRef idx="minor">
+            <a:schemeClr val="tx1"/>
+          </a:fontRef>
+        </p:style>
+      </p:cxnSp>
+      <p:sp>
+        <p:nvSpPr>
+          <p:cNvPr id="54" name="TextBox 53"/>
+          <p:cNvSpPr txBox="1"/>
+          <p:nvPr/>
+        </p:nvSpPr>
+        <p:spPr>
+          <a:xfrm>
+            <a:off x="5905123" y="5166059"/>
+            <a:ext cx="272832" cy="246221"/>
+          </a:xfrm>
+          <a:prstGeom prst="rect">
+            <a:avLst/>
+          </a:prstGeom>
+          <a:noFill/>
+        </p:spPr>
+        <p:txBody>
+          <a:bodyPr wrap="none" rtlCol="0">
+            <a:spAutoFit/>
+          </a:bodyPr>
+          <a:lstStyle/>
+          <a:p>
+            <a:r>
+              <a:rPr lang="de-CH" sz="1000" dirty="0" smtClean="0"/>
+              <a:t>…</a:t>
+            </a:r>
+            <a:endParaRPr lang="en-US" sz="1000" dirty="0"/>
+          </a:p>
+        </p:txBody>
+      </p:sp>
+      <p:sp>
+        <p:nvSpPr>
+          <p:cNvPr id="76" name="Rectangle 75"/>
+          <p:cNvSpPr/>
+          <p:nvPr/>
+        </p:nvSpPr>
+        <p:spPr>
+          <a:xfrm>
+            <a:off x="8554889" y="5160917"/>
+            <a:ext cx="1190749" cy="291116"/>
+          </a:xfrm>
+          <a:prstGeom prst="rect">
+            <a:avLst/>
+          </a:prstGeom>
+        </p:spPr>
+        <p:style>
+          <a:lnRef idx="2">
+            <a:schemeClr val="accent1">
+              <a:shade val="50000"/>
+            </a:schemeClr>
+          </a:lnRef>
+          <a:fillRef idx="1">
+            <a:schemeClr val="accent1"/>
+          </a:fillRef>
+          <a:effectRef idx="0">
+            <a:schemeClr val="accent1"/>
+          </a:effectRef>
+          <a:fontRef idx="minor">
+            <a:schemeClr val="lt1"/>
+          </a:fontRef>
+        </p:style>
+        <p:txBody>
+          <a:bodyPr rtlCol="0" anchor="ctr"/>
+          <a:lstStyle/>
+          <a:p>
+            <a:pPr algn="ctr"/>
+            <a:r>
+              <a:rPr lang="de-CH" sz="600" dirty="0" smtClean="0"/>
+              <a:t>LSTM </a:t>
+            </a:r>
+            <a:r>
+              <a:rPr lang="de-CH" sz="600" dirty="0" err="1" smtClean="0"/>
+              <a:t>architecture</a:t>
+            </a:r>
+            <a:endParaRPr lang="de-CH" sz="600" dirty="0" smtClean="0"/>
+          </a:p>
+          <a:p>
+            <a:pPr algn="ctr"/>
+            <a:r>
+              <a:rPr lang="de-CH" sz="600" dirty="0" smtClean="0"/>
+              <a:t>(1024 Hidden </a:t>
+            </a:r>
+            <a:r>
+              <a:rPr lang="de-CH" sz="600" dirty="0" err="1" smtClean="0"/>
+              <a:t>states</a:t>
+            </a:r>
+            <a:r>
+              <a:rPr lang="de-CH" sz="600" dirty="0" smtClean="0"/>
+              <a:t>)</a:t>
+            </a:r>
+            <a:endParaRPr lang="en-US" sz="600" dirty="0"/>
+          </a:p>
+        </p:txBody>
+      </p:sp>
+      <p:cxnSp>
+        <p:nvCxnSpPr>
+          <p:cNvPr id="77" name="Straight Connector 76"/>
+          <p:cNvCxnSpPr/>
+          <p:nvPr/>
+        </p:nvCxnSpPr>
+        <p:spPr>
+          <a:xfrm>
+            <a:off x="8063422" y="4226578"/>
+            <a:ext cx="1316" cy="2210096"/>
+          </a:xfrm>
+          <a:prstGeom prst="line">
+            <a:avLst/>
+          </a:prstGeom>
+          <a:ln cmpd="thickThin">
+            <a:solidFill>
+              <a:srgbClr val="00B050"/>
+            </a:solidFill>
+            <a:prstDash val="lgDash"/>
+          </a:ln>
+        </p:spPr>
+        <p:style>
+          <a:lnRef idx="1">
+            <a:schemeClr val="accent1"/>
+          </a:lnRef>
+          <a:fillRef idx="0">
+            <a:schemeClr val="accent1"/>
+          </a:fillRef>
+          <a:effectRef idx="0">
+            <a:schemeClr val="accent1"/>
+          </a:effectRef>
+          <a:fontRef idx="minor">
+            <a:schemeClr val="tx1"/>
+          </a:fontRef>
+        </p:style>
+      </p:cxnSp>
+      <p:cxnSp>
+        <p:nvCxnSpPr>
+          <p:cNvPr id="78" name="Straight Arrow Connector 77"/>
+          <p:cNvCxnSpPr>
+            <a:endCxn id="76" idx="1"/>
+          </p:cNvCxnSpPr>
+          <p:nvPr/>
+        </p:nvCxnSpPr>
+        <p:spPr>
+          <a:xfrm>
+            <a:off x="7685457" y="5306475"/>
+            <a:ext cx="869432" cy="0"/>
+          </a:xfrm>
+          <a:prstGeom prst="straightConnector1">
+            <a:avLst/>
+          </a:prstGeom>
+          <a:ln>
+            <a:tailEnd type="triangle"/>
+          </a:ln>
+        </p:spPr>
+        <p:style>
+          <a:lnRef idx="1">
+            <a:schemeClr val="accent1"/>
+          </a:lnRef>
+          <a:fillRef idx="0">
+            <a:schemeClr val="accent1"/>
+          </a:fillRef>
+          <a:effectRef idx="0">
+            <a:schemeClr val="accent1"/>
+          </a:effectRef>
+          <a:fontRef idx="minor">
+            <a:schemeClr val="tx1"/>
+          </a:fontRef>
+        </p:style>
+      </p:cxnSp>
+      <p:sp>
+        <p:nvSpPr>
+          <p:cNvPr id="79" name="TextBox 78"/>
+          <p:cNvSpPr txBox="1"/>
+          <p:nvPr/>
+        </p:nvSpPr>
+        <p:spPr>
+          <a:xfrm>
+            <a:off x="7728576" y="5403971"/>
+            <a:ext cx="346570" cy="184666"/>
+          </a:xfrm>
+          <a:prstGeom prst="rect">
+            <a:avLst/>
+          </a:prstGeom>
+          <a:noFill/>
+          <a:ln>
+            <a:solidFill>
+              <a:schemeClr val="tx2"/>
+            </a:solidFill>
+          </a:ln>
+        </p:spPr>
+        <p:txBody>
+          <a:bodyPr wrap="none" rtlCol="0">
+            <a:spAutoFit/>
+          </a:bodyPr>
+          <a:lstStyle/>
+          <a:p>
+            <a:r>
+              <a:rPr lang="de-CH" sz="600" dirty="0" smtClean="0">
+                <a:solidFill>
+                  <a:srgbClr val="FF0000"/>
+                </a:solidFill>
+              </a:rPr>
+              <a:t>State</a:t>
+            </a:r>
+            <a:endParaRPr lang="en-US" sz="600" dirty="0">
+              <a:solidFill>
+                <a:srgbClr val="FF0000"/>
+              </a:solidFill>
+            </a:endParaRPr>
+          </a:p>
+        </p:txBody>
+      </p:sp>
+      <p:sp>
+        <p:nvSpPr>
+          <p:cNvPr id="80" name="Oval 79"/>
+          <p:cNvSpPr/>
+          <p:nvPr/>
+        </p:nvSpPr>
+        <p:spPr>
+          <a:xfrm>
+            <a:off x="8866333" y="5748377"/>
+            <a:ext cx="672110" cy="296065"/>
+          </a:xfrm>
+          <a:prstGeom prst="ellipse">
+            <a:avLst/>
+          </a:prstGeom>
+        </p:spPr>
+        <p:style>
+          <a:lnRef idx="2">
+            <a:schemeClr val="accent1">
+              <a:shade val="50000"/>
+            </a:schemeClr>
+          </a:lnRef>
+          <a:fillRef idx="1">
+            <a:schemeClr val="accent1"/>
+          </a:fillRef>
+          <a:effectRef idx="0">
+            <a:schemeClr val="accent1"/>
+          </a:effectRef>
+          <a:fontRef idx="minor">
+            <a:schemeClr val="lt1"/>
+          </a:fontRef>
+        </p:style>
+        <p:txBody>
+          <a:bodyPr rtlCol="0" anchor="ctr"/>
+          <a:lstStyle/>
+          <a:p>
+            <a:pPr algn="ctr"/>
+            <a:r>
+              <a:rPr lang="de-CH" sz="600" dirty="0" smtClean="0"/>
+              <a:t>Input t=1</a:t>
+            </a:r>
+            <a:endParaRPr lang="en-US" sz="600" dirty="0"/>
+          </a:p>
+        </p:txBody>
+      </p:sp>
+      <p:sp>
+        <p:nvSpPr>
+          <p:cNvPr id="81" name="Oval 80"/>
+          <p:cNvSpPr/>
+          <p:nvPr/>
+        </p:nvSpPr>
+        <p:spPr>
+          <a:xfrm>
+            <a:off x="10606230" y="5783875"/>
+            <a:ext cx="655379" cy="293540"/>
+          </a:xfrm>
+          <a:prstGeom prst="ellipse">
+            <a:avLst/>
+          </a:prstGeom>
+        </p:spPr>
+        <p:style>
+          <a:lnRef idx="2">
+            <a:schemeClr val="accent1">
+              <a:shade val="50000"/>
+            </a:schemeClr>
+          </a:lnRef>
+          <a:fillRef idx="1">
+            <a:schemeClr val="accent1"/>
+          </a:fillRef>
+          <a:effectRef idx="0">
+            <a:schemeClr val="accent1"/>
+          </a:effectRef>
+          <a:fontRef idx="minor">
+            <a:schemeClr val="lt1"/>
+          </a:fontRef>
+        </p:style>
+        <p:txBody>
+          <a:bodyPr rtlCol="0" anchor="ctr"/>
+          <a:lstStyle/>
+          <a:p>
+            <a:pPr algn="ctr"/>
+            <a:r>
+              <a:rPr lang="de-CH" sz="600" dirty="0" smtClean="0"/>
+              <a:t>Input t=25</a:t>
+            </a:r>
+            <a:endParaRPr lang="en-US" sz="600" dirty="0"/>
+          </a:p>
+        </p:txBody>
+      </p:sp>
+      <p:cxnSp>
+        <p:nvCxnSpPr>
+          <p:cNvPr id="82" name="Straight Arrow Connector 81"/>
+          <p:cNvCxnSpPr>
+            <a:stCxn id="76" idx="0"/>
+          </p:cNvCxnSpPr>
+          <p:nvPr/>
+        </p:nvCxnSpPr>
+        <p:spPr>
+          <a:xfrm flipH="1" flipV="1">
+            <a:off x="9143659" y="4889121"/>
+            <a:ext cx="6605" cy="271796"/>
+          </a:xfrm>
+          <a:prstGeom prst="straightConnector1">
+            <a:avLst/>
+          </a:prstGeom>
+          <a:ln>
+            <a:tailEnd type="triangle"/>
+          </a:ln>
+        </p:spPr>
+        <p:style>
+          <a:lnRef idx="1">
+            <a:schemeClr val="accent1"/>
+          </a:lnRef>
+          <a:fillRef idx="0">
+            <a:schemeClr val="accent1"/>
+          </a:fillRef>
+          <a:effectRef idx="0">
+            <a:schemeClr val="accent1"/>
+          </a:effectRef>
+          <a:fontRef idx="minor">
+            <a:schemeClr val="tx1"/>
+          </a:fontRef>
+        </p:style>
+      </p:cxnSp>
+      <p:sp>
+        <p:nvSpPr>
+          <p:cNvPr id="83" name="TextBox 82"/>
+          <p:cNvSpPr txBox="1"/>
+          <p:nvPr/>
+        </p:nvSpPr>
+        <p:spPr>
+          <a:xfrm>
+            <a:off x="9874045" y="5205615"/>
+            <a:ext cx="272832" cy="246221"/>
+          </a:xfrm>
+          <a:prstGeom prst="rect">
+            <a:avLst/>
+          </a:prstGeom>
+          <a:noFill/>
+        </p:spPr>
+        <p:txBody>
+          <a:bodyPr wrap="none" rtlCol="0">
+            <a:spAutoFit/>
+          </a:bodyPr>
+          <a:lstStyle/>
+          <a:p>
+            <a:r>
+              <a:rPr lang="de-CH" sz="1000" dirty="0" smtClean="0"/>
+              <a:t>…</a:t>
+            </a:r>
+            <a:endParaRPr lang="en-US" sz="1000" dirty="0"/>
+          </a:p>
+        </p:txBody>
+      </p:sp>
+      <p:cxnSp>
+        <p:nvCxnSpPr>
+          <p:cNvPr id="84" name="Straight Arrow Connector 83"/>
+          <p:cNvCxnSpPr>
+            <a:endCxn id="76" idx="2"/>
+          </p:cNvCxnSpPr>
+          <p:nvPr/>
+        </p:nvCxnSpPr>
+        <p:spPr>
+          <a:xfrm flipH="1" flipV="1">
+            <a:off x="9150264" y="5452033"/>
+            <a:ext cx="28976" cy="361054"/>
+          </a:xfrm>
+          <a:prstGeom prst="straightConnector1">
+            <a:avLst/>
+          </a:prstGeom>
+          <a:ln>
+            <a:tailEnd type="triangle"/>
+          </a:ln>
+        </p:spPr>
+        <p:style>
+          <a:lnRef idx="1">
+            <a:schemeClr val="accent1"/>
+          </a:lnRef>
+          <a:fillRef idx="0">
+            <a:schemeClr val="accent1"/>
+          </a:fillRef>
+          <a:effectRef idx="0">
+            <a:schemeClr val="accent1"/>
+          </a:effectRef>
+          <a:fontRef idx="minor">
+            <a:schemeClr val="tx1"/>
+          </a:fontRef>
+        </p:style>
+      </p:cxnSp>
+      <p:sp>
+        <p:nvSpPr>
+          <p:cNvPr id="86" name="TextBox 85"/>
+          <p:cNvSpPr txBox="1"/>
+          <p:nvPr/>
+        </p:nvSpPr>
+        <p:spPr>
+          <a:xfrm>
+            <a:off x="8296297" y="4446583"/>
+            <a:ext cx="713657" cy="184666"/>
+          </a:xfrm>
+          <a:prstGeom prst="rect">
+            <a:avLst/>
+          </a:prstGeom>
+          <a:noFill/>
+        </p:spPr>
+        <p:txBody>
+          <a:bodyPr wrap="none" rtlCol="0">
+            <a:spAutoFit/>
+          </a:bodyPr>
+          <a:lstStyle/>
+          <a:p>
+            <a:r>
+              <a:rPr lang="de-CH" sz="600" dirty="0" err="1" smtClean="0">
+                <a:solidFill>
+                  <a:srgbClr val="FF0000"/>
+                </a:solidFill>
+              </a:rPr>
+              <a:t>Predicted</a:t>
+            </a:r>
+            <a:r>
+              <a:rPr lang="de-CH" sz="600" dirty="0" smtClean="0">
+                <a:solidFill>
+                  <a:srgbClr val="FF0000"/>
+                </a:solidFill>
+              </a:rPr>
+              <a:t> </a:t>
+            </a:r>
+            <a:r>
+              <a:rPr lang="de-CH" sz="600" dirty="0" err="1" smtClean="0">
+                <a:solidFill>
+                  <a:srgbClr val="FF0000"/>
+                </a:solidFill>
+              </a:rPr>
+              <a:t>output</a:t>
+            </a:r>
+            <a:endParaRPr lang="en-US" sz="600" dirty="0">
+              <a:solidFill>
+                <a:srgbClr val="FF0000"/>
+              </a:solidFill>
+            </a:endParaRPr>
+          </a:p>
+        </p:txBody>
+      </p:sp>
+      <p:pic>
+        <p:nvPicPr>
+          <p:cNvPr id="87" name="Picture 86"/>
+          <p:cNvPicPr>
+            <a:picLocks noChangeAspect="1"/>
+          </p:cNvPicPr>
+          <p:nvPr/>
+        </p:nvPicPr>
+        <p:blipFill rotWithShape="1">
+          <a:blip r:embed="rId3"/>
+          <a:srcRect r="12639"/>
+          <a:stretch/>
+        </p:blipFill>
+        <p:spPr>
+          <a:xfrm>
+            <a:off x="9047208" y="4352268"/>
+            <a:ext cx="269360" cy="464199"/>
+          </a:xfrm>
+          <a:prstGeom prst="rect">
+            <a:avLst/>
+          </a:prstGeom>
+        </p:spPr>
+      </p:pic>
+      <p:cxnSp>
+        <p:nvCxnSpPr>
+          <p:cNvPr id="88" name="Straight Arrow Connector 87"/>
+          <p:cNvCxnSpPr>
+            <a:stCxn id="87" idx="3"/>
+            <a:endCxn id="81" idx="1"/>
+          </p:cNvCxnSpPr>
+          <p:nvPr/>
+        </p:nvCxnSpPr>
+        <p:spPr>
+          <a:xfrm>
+            <a:off x="9316568" y="4584368"/>
+            <a:ext cx="1385640" cy="1242495"/>
+          </a:xfrm>
+          <a:prstGeom prst="straightConnector1">
+            <a:avLst/>
+          </a:prstGeom>
+          <a:ln>
+            <a:tailEnd type="triangle"/>
+          </a:ln>
+        </p:spPr>
+        <p:style>
+          <a:lnRef idx="1">
+            <a:schemeClr val="accent1"/>
+          </a:lnRef>
+          <a:fillRef idx="0">
+            <a:schemeClr val="accent1"/>
+          </a:fillRef>
+          <a:effectRef idx="0">
+            <a:schemeClr val="accent1"/>
+          </a:effectRef>
+          <a:fontRef idx="minor">
+            <a:schemeClr val="tx1"/>
+          </a:fontRef>
+        </p:style>
+      </p:cxnSp>
+      <p:cxnSp>
+        <p:nvCxnSpPr>
+          <p:cNvPr id="89" name="Straight Arrow Connector 88"/>
+          <p:cNvCxnSpPr/>
+          <p:nvPr/>
+        </p:nvCxnSpPr>
+        <p:spPr>
+          <a:xfrm>
+            <a:off x="8406706" y="6572934"/>
+            <a:ext cx="3230171" cy="0"/>
+          </a:xfrm>
+          <a:prstGeom prst="straightConnector1">
+            <a:avLst/>
+          </a:prstGeom>
+          <a:ln>
+            <a:headEnd type="triangle" w="sm" len="med"/>
+            <a:tailEnd type="triangle"/>
+          </a:ln>
+        </p:spPr>
+        <p:style>
+          <a:lnRef idx="1">
+            <a:schemeClr val="accent1"/>
+          </a:lnRef>
+          <a:fillRef idx="0">
+            <a:schemeClr val="accent1"/>
+          </a:fillRef>
+          <a:effectRef idx="0">
+            <a:schemeClr val="accent1"/>
+          </a:effectRef>
+          <a:fontRef idx="minor">
+            <a:schemeClr val="tx1"/>
+          </a:fontRef>
+        </p:style>
+      </p:cxnSp>
+      <p:sp>
+        <p:nvSpPr>
+          <p:cNvPr id="90" name="TextBox 89"/>
+          <p:cNvSpPr txBox="1"/>
+          <p:nvPr/>
+        </p:nvSpPr>
+        <p:spPr>
+          <a:xfrm>
+            <a:off x="9607472" y="6388268"/>
+            <a:ext cx="1173719" cy="246221"/>
+          </a:xfrm>
+          <a:prstGeom prst="rect">
+            <a:avLst/>
+          </a:prstGeom>
+          <a:noFill/>
+        </p:spPr>
+        <p:txBody>
+          <a:bodyPr wrap="none" rtlCol="0">
+            <a:spAutoFit/>
+          </a:bodyPr>
+          <a:lstStyle/>
+          <a:p>
+            <a:r>
+              <a:rPr lang="de-CH" sz="1000" dirty="0" smtClean="0"/>
+              <a:t>25 </a:t>
+            </a:r>
+            <a:r>
+              <a:rPr lang="de-CH" sz="1000" dirty="0" err="1" smtClean="0">
+                <a:solidFill>
+                  <a:schemeClr val="accent6"/>
+                </a:solidFill>
+              </a:rPr>
+              <a:t>predicted</a:t>
+            </a:r>
+            <a:r>
+              <a:rPr lang="de-CH" sz="1000" dirty="0" smtClean="0"/>
+              <a:t> </a:t>
+            </a:r>
+            <a:r>
+              <a:rPr lang="de-CH" sz="1000" dirty="0" err="1" smtClean="0"/>
+              <a:t>poses</a:t>
+            </a:r>
+            <a:endParaRPr lang="en-US" sz="1000" dirty="0"/>
+          </a:p>
+        </p:txBody>
+      </p:sp>
+      <p:sp>
+        <p:nvSpPr>
+          <p:cNvPr id="91" name="TextBox 90"/>
+          <p:cNvSpPr txBox="1"/>
+          <p:nvPr/>
+        </p:nvSpPr>
+        <p:spPr>
+          <a:xfrm>
+            <a:off x="9965896" y="4434827"/>
+            <a:ext cx="713657" cy="184666"/>
+          </a:xfrm>
+          <a:prstGeom prst="rect">
+            <a:avLst/>
+          </a:prstGeom>
+          <a:noFill/>
+        </p:spPr>
+        <p:txBody>
+          <a:bodyPr wrap="none" rtlCol="0">
+            <a:spAutoFit/>
+          </a:bodyPr>
+          <a:lstStyle/>
+          <a:p>
+            <a:r>
+              <a:rPr lang="de-CH" sz="600" dirty="0" err="1" smtClean="0">
+                <a:solidFill>
+                  <a:srgbClr val="FF0000"/>
+                </a:solidFill>
+              </a:rPr>
+              <a:t>Predicted</a:t>
+            </a:r>
+            <a:r>
+              <a:rPr lang="de-CH" sz="600" dirty="0" smtClean="0">
+                <a:solidFill>
+                  <a:srgbClr val="FF0000"/>
+                </a:solidFill>
+              </a:rPr>
+              <a:t> </a:t>
+            </a:r>
+            <a:r>
+              <a:rPr lang="de-CH" sz="600" dirty="0" err="1" smtClean="0">
+                <a:solidFill>
+                  <a:srgbClr val="FF0000"/>
+                </a:solidFill>
+              </a:rPr>
+              <a:t>output</a:t>
+            </a:r>
+            <a:endParaRPr lang="en-US" sz="600" dirty="0">
+              <a:solidFill>
+                <a:srgbClr val="FF0000"/>
+              </a:solidFill>
+            </a:endParaRPr>
+          </a:p>
+        </p:txBody>
+      </p:sp>
+      <p:pic>
+        <p:nvPicPr>
+          <p:cNvPr id="92" name="Picture 91"/>
+          <p:cNvPicPr>
+            <a:picLocks noChangeAspect="1"/>
+          </p:cNvPicPr>
+          <p:nvPr/>
+        </p:nvPicPr>
+        <p:blipFill rotWithShape="1">
+          <a:blip r:embed="rId3"/>
+          <a:srcRect r="12639"/>
+          <a:stretch/>
+        </p:blipFill>
+        <p:spPr>
+          <a:xfrm>
+            <a:off x="10664560" y="4254498"/>
+            <a:ext cx="269360" cy="464199"/>
+          </a:xfrm>
+          <a:prstGeom prst="rect">
+            <a:avLst/>
+          </a:prstGeom>
+        </p:spPr>
+      </p:pic>
+      <p:sp>
+        <p:nvSpPr>
+          <p:cNvPr id="107" name="Rectangle 106"/>
+          <p:cNvSpPr/>
+          <p:nvPr/>
+        </p:nvSpPr>
+        <p:spPr>
+          <a:xfrm>
+            <a:off x="10343324" y="5143612"/>
+            <a:ext cx="918286" cy="291116"/>
+          </a:xfrm>
+          <a:prstGeom prst="rect">
+            <a:avLst/>
+          </a:prstGeom>
+        </p:spPr>
+        <p:style>
+          <a:lnRef idx="2">
+            <a:schemeClr val="accent1">
+              <a:shade val="50000"/>
+            </a:schemeClr>
+          </a:lnRef>
+          <a:fillRef idx="1">
+            <a:schemeClr val="accent1"/>
+          </a:fillRef>
+          <a:effectRef idx="0">
+            <a:schemeClr val="accent1"/>
+          </a:effectRef>
+          <a:fontRef idx="minor">
+            <a:schemeClr val="lt1"/>
+          </a:fontRef>
+        </p:style>
+        <p:txBody>
+          <a:bodyPr rtlCol="0" anchor="ctr"/>
+          <a:lstStyle/>
+          <a:p>
+            <a:pPr algn="ctr"/>
+            <a:r>
+              <a:rPr lang="de-CH" sz="600" dirty="0" smtClean="0"/>
+              <a:t>LSTM </a:t>
+            </a:r>
+            <a:r>
+              <a:rPr lang="de-CH" sz="600" dirty="0" err="1" smtClean="0"/>
+              <a:t>architecture</a:t>
+            </a:r>
+            <a:endParaRPr lang="de-CH" sz="600" dirty="0" smtClean="0"/>
+          </a:p>
+          <a:p>
+            <a:pPr algn="ctr"/>
+            <a:r>
+              <a:rPr lang="de-CH" sz="600" dirty="0" smtClean="0"/>
+              <a:t>(1024 Hidden </a:t>
+            </a:r>
+            <a:r>
+              <a:rPr lang="de-CH" sz="600" dirty="0" err="1" smtClean="0"/>
+              <a:t>states</a:t>
+            </a:r>
+            <a:r>
+              <a:rPr lang="de-CH" sz="600" dirty="0" smtClean="0"/>
+              <a:t>)</a:t>
+            </a:r>
+            <a:endParaRPr lang="en-US" sz="600" dirty="0"/>
+          </a:p>
+        </p:txBody>
+      </p:sp>
+      <p:cxnSp>
+        <p:nvCxnSpPr>
+          <p:cNvPr id="112" name="Straight Arrow Connector 111"/>
+          <p:cNvCxnSpPr/>
+          <p:nvPr/>
+        </p:nvCxnSpPr>
+        <p:spPr>
+          <a:xfrm>
+            <a:off x="4819380" y="6581701"/>
+            <a:ext cx="2720180" cy="0"/>
+          </a:xfrm>
+          <a:prstGeom prst="straightConnector1">
+            <a:avLst/>
+          </a:prstGeom>
+          <a:ln>
+            <a:headEnd type="triangle" w="sm" len="med"/>
+            <a:tailEnd type="triangle"/>
+          </a:ln>
+        </p:spPr>
+        <p:style>
+          <a:lnRef idx="1">
+            <a:schemeClr val="accent1"/>
+          </a:lnRef>
+          <a:fillRef idx="0">
+            <a:schemeClr val="accent1"/>
+          </a:fillRef>
+          <a:effectRef idx="0">
+            <a:schemeClr val="accent1"/>
+          </a:effectRef>
+          <a:fontRef idx="minor">
+            <a:schemeClr val="tx1"/>
+          </a:fontRef>
+        </p:style>
+      </p:cxnSp>
+      <p:sp>
+        <p:nvSpPr>
+          <p:cNvPr id="114" name="TextBox 113"/>
+          <p:cNvSpPr txBox="1"/>
+          <p:nvPr/>
+        </p:nvSpPr>
+        <p:spPr>
+          <a:xfrm>
+            <a:off x="6074547" y="6581701"/>
+            <a:ext cx="1313180" cy="230832"/>
+          </a:xfrm>
+          <a:prstGeom prst="rect">
+            <a:avLst/>
+          </a:prstGeom>
+          <a:noFill/>
+        </p:spPr>
+        <p:txBody>
+          <a:bodyPr wrap="none" rtlCol="0">
+            <a:spAutoFit/>
+          </a:bodyPr>
+          <a:lstStyle/>
+          <a:p>
+            <a:r>
+              <a:rPr lang="de-CH" sz="900" dirty="0" err="1"/>
+              <a:t>Given</a:t>
+            </a:r>
+            <a:r>
+              <a:rPr lang="de-CH" sz="900" dirty="0"/>
+              <a:t> </a:t>
+            </a:r>
+            <a:r>
+              <a:rPr lang="de-CH" sz="900" dirty="0" err="1"/>
+              <a:t>frames</a:t>
+            </a:r>
+            <a:r>
+              <a:rPr lang="de-CH" sz="900" dirty="0"/>
+              <a:t> (50 </a:t>
+            </a:r>
+            <a:r>
+              <a:rPr lang="de-CH" sz="900" dirty="0" err="1"/>
+              <a:t>poses</a:t>
+            </a:r>
+            <a:r>
+              <a:rPr lang="de-CH" sz="900" dirty="0"/>
+              <a:t>)</a:t>
+            </a:r>
+            <a:endParaRPr lang="en-US" sz="900" dirty="0"/>
+          </a:p>
+        </p:txBody>
+      </p:sp>
+      <p:cxnSp>
+        <p:nvCxnSpPr>
+          <p:cNvPr id="117" name="Straight Arrow Connector 116"/>
+          <p:cNvCxnSpPr>
+            <a:endCxn id="120" idx="1"/>
+          </p:cNvCxnSpPr>
+          <p:nvPr/>
+        </p:nvCxnSpPr>
+        <p:spPr>
+          <a:xfrm>
+            <a:off x="7075398" y="4219854"/>
+            <a:ext cx="1971810" cy="2042098"/>
+          </a:xfrm>
+          <a:prstGeom prst="straightConnector1">
+            <a:avLst/>
+          </a:prstGeom>
+          <a:ln>
+            <a:tailEnd type="triangle"/>
+          </a:ln>
+        </p:spPr>
+        <p:style>
+          <a:lnRef idx="1">
+            <a:schemeClr val="accent1"/>
+          </a:lnRef>
+          <a:fillRef idx="0">
+            <a:schemeClr val="accent1"/>
+          </a:fillRef>
+          <a:effectRef idx="0">
+            <a:schemeClr val="accent1"/>
+          </a:effectRef>
+          <a:fontRef idx="minor">
+            <a:schemeClr val="tx1"/>
+          </a:fontRef>
+        </p:style>
+      </p:cxnSp>
+      <p:pic>
+        <p:nvPicPr>
+          <p:cNvPr id="120" name="Picture 119"/>
+          <p:cNvPicPr>
+            <a:picLocks noChangeAspect="1"/>
+          </p:cNvPicPr>
+          <p:nvPr/>
+        </p:nvPicPr>
+        <p:blipFill>
+          <a:blip r:embed="rId2"/>
+          <a:stretch>
+            <a:fillRect/>
+          </a:stretch>
+        </p:blipFill>
+        <p:spPr>
+          <a:xfrm>
+            <a:off x="9047208" y="6053983"/>
+            <a:ext cx="289147" cy="415938"/>
+          </a:xfrm>
+          <a:prstGeom prst="rect">
+            <a:avLst/>
+          </a:prstGeom>
+        </p:spPr>
+      </p:pic>
+      <p:cxnSp>
+        <p:nvCxnSpPr>
+          <p:cNvPr id="129" name="Straight Arrow Connector 128"/>
+          <p:cNvCxnSpPr/>
+          <p:nvPr/>
+        </p:nvCxnSpPr>
+        <p:spPr>
+          <a:xfrm flipH="1" flipV="1">
+            <a:off x="10751230" y="4779935"/>
+            <a:ext cx="6605" cy="271796"/>
+          </a:xfrm>
+          <a:prstGeom prst="straightConnector1">
+            <a:avLst/>
+          </a:prstGeom>
+          <a:ln>
+            <a:tailEnd type="triangle"/>
+          </a:ln>
+        </p:spPr>
+        <p:style>
+          <a:lnRef idx="1">
+            <a:schemeClr val="accent1"/>
+          </a:lnRef>
+          <a:fillRef idx="0">
+            <a:schemeClr val="accent1"/>
+          </a:fillRef>
+          <a:effectRef idx="0">
+            <a:schemeClr val="accent1"/>
+          </a:effectRef>
+          <a:fontRef idx="minor">
+            <a:schemeClr val="tx1"/>
+          </a:fontRef>
+        </p:style>
+      </p:cxnSp>
+    </p:spTree>
+    <p:extLst>
+      <p:ext uri="{BB962C8B-B14F-4D97-AF65-F5344CB8AC3E}">
+        <p14:creationId xmlns:p14="http://schemas.microsoft.com/office/powerpoint/2010/main" val="2922991723"/>
       </p:ext>
     </p:extLst>
   </p:cSld>
